--- a/COVID-19 Management System.pptx
+++ b/COVID-19 Management System.pptx
@@ -5,7 +5,7 @@
     <p:sldMasterId id="2147483672" r:id="rId1"/>
   </p:sldMasterIdLst>
   <p:notesMasterIdLst>
-    <p:notesMasterId r:id="rId12"/>
+    <p:notesMasterId r:id="rId13"/>
   </p:notesMasterIdLst>
   <p:sldIdLst>
     <p:sldId id="256" r:id="rId2"/>
@@ -14,32 +14,33 @@
     <p:sldId id="259" r:id="rId5"/>
     <p:sldId id="260" r:id="rId6"/>
     <p:sldId id="307" r:id="rId7"/>
-    <p:sldId id="308" r:id="rId8"/>
-    <p:sldId id="309" r:id="rId9"/>
-    <p:sldId id="310" r:id="rId10"/>
-    <p:sldId id="311" r:id="rId11"/>
+    <p:sldId id="312" r:id="rId8"/>
+    <p:sldId id="308" r:id="rId9"/>
+    <p:sldId id="309" r:id="rId10"/>
+    <p:sldId id="310" r:id="rId11"/>
+    <p:sldId id="311" r:id="rId12"/>
   </p:sldIdLst>
   <p:sldSz cx="9144000" cy="5143500" type="screen16x9"/>
   <p:notesSz cx="6858000" cy="9144000"/>
   <p:embeddedFontLst>
     <p:embeddedFont>
       <p:font typeface="Abel" panose="02010600030101010101" charset="0"/>
-      <p:regular r:id="rId13"/>
+      <p:regular r:id="rId14"/>
     </p:embeddedFont>
     <p:embeddedFont>
       <p:font typeface="Bahiana" panose="02010600030101010101" charset="0"/>
-      <p:regular r:id="rId14"/>
+      <p:regular r:id="rId15"/>
     </p:embeddedFont>
     <p:embeddedFont>
       <p:font typeface="Sansita" panose="02010600030101010101" charset="0"/>
-      <p:regular r:id="rId15"/>
-      <p:bold r:id="rId16"/>
-      <p:italic r:id="rId17"/>
-      <p:boldItalic r:id="rId18"/>
+      <p:regular r:id="rId16"/>
+      <p:bold r:id="rId17"/>
+      <p:italic r:id="rId18"/>
+      <p:boldItalic r:id="rId19"/>
     </p:embeddedFont>
     <p:embeddedFont>
       <p:font typeface="Staatliches" panose="02010600030101010101" charset="0"/>
-      <p:regular r:id="rId19"/>
+      <p:regular r:id="rId20"/>
     </p:embeddedFont>
   </p:embeddedFontLst>
   <p:defaultTextStyle>
@@ -271,7 +272,20 @@
       </a:defRPr>
     </a:lvl9pPr>
   </p:defaultTextStyle>
+  <p:extLst>
+    <p:ext uri="{EFAFB233-063F-42B5-8137-9DF3F51BA10A}">
+      <p15:sldGuideLst xmlns:p15="http://schemas.microsoft.com/office/powerpoint/2012/main"/>
+    </p:ext>
+  </p:extLst>
 </p:presentation>
+</file>
+
+<file path=ppt/revisionInfo.xml><?xml version="1.0" encoding="utf-8"?>
+<p1510:revInfo xmlns:a="http://schemas.openxmlformats.org/drawingml/2006/main" xmlns:r="http://schemas.openxmlformats.org/officeDocument/2006/relationships" xmlns:p1510="http://schemas.microsoft.com/office/powerpoint/2015/10/main">
+  <p1510:revLst>
+    <p1510:client id="{E7B5B8EF-3BCB-5D62-541B-E5A630079BC3}" v="34" dt="2020-11-17T05:55:59.944"/>
+  </p1510:revLst>
+</p1510:revInfo>
 </file>
 
 <file path=ppt/notesMasters/notesMaster1.xml><?xml version="1.0" encoding="utf-8"?>
@@ -17060,6 +17074,408 @@
 </file>
 
 <file path=ppt/slides/slide10.xml><?xml version="1.0" encoding="utf-8"?>
+<p:sld xmlns:a="http://schemas.openxmlformats.org/drawingml/2006/main" xmlns:r="http://schemas.openxmlformats.org/officeDocument/2006/relationships" xmlns:p="http://schemas.openxmlformats.org/presentationml/2006/main">
+  <p:cSld>
+    <p:spTree>
+      <p:nvGrpSpPr>
+        <p:cNvPr id="1" name=""/>
+        <p:cNvGrpSpPr/>
+        <p:nvPr/>
+      </p:nvGrpSpPr>
+      <p:grpSpPr>
+        <a:xfrm>
+          <a:off x="0" y="0"/>
+          <a:ext cx="0" cy="0"/>
+          <a:chOff x="0" y="0"/>
+          <a:chExt cx="0" cy="0"/>
+        </a:xfrm>
+      </p:grpSpPr>
+      <p:pic>
+        <p:nvPicPr>
+          <p:cNvPr id="2050" name="Picture 2">
+            <a:extLst>
+              <a:ext uri="{FF2B5EF4-FFF2-40B4-BE49-F238E27FC236}">
+                <a16:creationId xmlns:a16="http://schemas.microsoft.com/office/drawing/2014/main" id="{3C8F77BB-BF37-4E2F-8FA4-9DDFF4137561}"/>
+              </a:ext>
+            </a:extLst>
+          </p:cNvPr>
+          <p:cNvPicPr>
+            <a:picLocks noChangeAspect="1" noChangeArrowheads="1"/>
+          </p:cNvPicPr>
+          <p:nvPr/>
+        </p:nvPicPr>
+        <p:blipFill>
+          <a:blip r:embed="rId2">
+            <a:clrChange>
+              <a:clrFrom>
+                <a:srgbClr val="FFFFFF"/>
+              </a:clrFrom>
+              <a:clrTo>
+                <a:srgbClr val="FFFFFF">
+                  <a:alpha val="0"/>
+                </a:srgbClr>
+              </a:clrTo>
+            </a:clrChange>
+            <a:extLst>
+              <a:ext uri="{28A0092B-C50C-407E-A947-70E740481C1C}">
+                <a14:useLocalDpi xmlns:a14="http://schemas.microsoft.com/office/drawing/2010/main" val="0"/>
+              </a:ext>
+            </a:extLst>
+          </a:blip>
+          <a:srcRect/>
+          <a:stretch>
+            <a:fillRect/>
+          </a:stretch>
+        </p:blipFill>
+        <p:spPr bwMode="auto">
+          <a:xfrm>
+            <a:off x="0" y="329970"/>
+            <a:ext cx="9144000" cy="4656137"/>
+          </a:xfrm>
+          <a:prstGeom prst="rect">
+            <a:avLst/>
+          </a:prstGeom>
+          <a:noFill/>
+          <a:extLst>
+            <a:ext uri="{909E8E84-426E-40DD-AFC4-6F175D3DCCD1}">
+              <a14:hiddenFill xmlns:a14="http://schemas.microsoft.com/office/drawing/2010/main">
+                <a:solidFill>
+                  <a:srgbClr val="FFFFFF"/>
+                </a:solidFill>
+              </a14:hiddenFill>
+            </a:ext>
+          </a:extLst>
+        </p:spPr>
+      </p:pic>
+      <p:sp>
+        <p:nvSpPr>
+          <p:cNvPr id="19" name="Google Shape;317;p31">
+            <a:extLst>
+              <a:ext uri="{FF2B5EF4-FFF2-40B4-BE49-F238E27FC236}">
+                <a16:creationId xmlns:a16="http://schemas.microsoft.com/office/drawing/2014/main" id="{3BFC9FA8-3D7D-481E-AD38-086C94847164}"/>
+              </a:ext>
+            </a:extLst>
+          </p:cNvPr>
+          <p:cNvSpPr/>
+          <p:nvPr/>
+        </p:nvSpPr>
+        <p:spPr>
+          <a:xfrm>
+            <a:off x="79864" y="329970"/>
+            <a:ext cx="3012300" cy="544500"/>
+          </a:xfrm>
+          <a:prstGeom prst="roundRect">
+            <a:avLst>
+              <a:gd name="adj" fmla="val 50000"/>
+            </a:avLst>
+          </a:prstGeom>
+          <a:solidFill>
+            <a:schemeClr val="accent3"/>
+          </a:solidFill>
+          <a:ln>
+            <a:noFill/>
+          </a:ln>
+        </p:spPr>
+        <p:txBody>
+          <a:bodyPr spcFirstLastPara="1" wrap="square" lIns="91425" tIns="91425" rIns="91425" bIns="91425" anchor="ctr" anchorCtr="0">
+            <a:noAutofit/>
+          </a:bodyPr>
+          <a:lstStyle/>
+          <a:p>
+            <a:pPr marL="0" lvl="0" indent="0" algn="l" rtl="0">
+              <a:spcBef>
+                <a:spcPts val="0"/>
+              </a:spcBef>
+              <a:spcAft>
+                <a:spcPts val="0"/>
+              </a:spcAft>
+              <a:buNone/>
+            </a:pPr>
+            <a:endParaRPr lang="en-US" dirty="0"/>
+          </a:p>
+        </p:txBody>
+      </p:sp>
+      <p:sp>
+        <p:nvSpPr>
+          <p:cNvPr id="20" name="Google Shape;322;p31">
+            <a:extLst>
+              <a:ext uri="{FF2B5EF4-FFF2-40B4-BE49-F238E27FC236}">
+                <a16:creationId xmlns:a16="http://schemas.microsoft.com/office/drawing/2014/main" id="{5E29DB06-3751-461E-8594-E1E62243729E}"/>
+              </a:ext>
+            </a:extLst>
+          </p:cNvPr>
+          <p:cNvSpPr txBox="1">
+            <a:spLocks/>
+          </p:cNvSpPr>
+          <p:nvPr/>
+        </p:nvSpPr>
+        <p:spPr>
+          <a:xfrm flipH="1">
+            <a:off x="79864" y="434457"/>
+            <a:ext cx="2757347" cy="379761"/>
+          </a:xfrm>
+          <a:prstGeom prst="rect">
+            <a:avLst/>
+          </a:prstGeom>
+        </p:spPr>
+        <p:txBody>
+          <a:bodyPr spcFirstLastPara="1" wrap="square" lIns="91425" tIns="91425" rIns="91425" bIns="91425" anchor="ctr" anchorCtr="0">
+            <a:noAutofit/>
+          </a:bodyPr>
+          <a:lstStyle>
+            <a:defPPr marR="0" lvl="0" algn="l" rtl="0">
+              <a:lnSpc>
+                <a:spcPct val="100000"/>
+              </a:lnSpc>
+              <a:spcBef>
+                <a:spcPts val="0"/>
+              </a:spcBef>
+              <a:spcAft>
+                <a:spcPts val="0"/>
+              </a:spcAft>
+            </a:defPPr>
+            <a:lvl1pPr marR="0" lvl="0" algn="l" rtl="0">
+              <a:lnSpc>
+                <a:spcPct val="100000"/>
+              </a:lnSpc>
+              <a:spcBef>
+                <a:spcPts val="0"/>
+              </a:spcBef>
+              <a:spcAft>
+                <a:spcPts val="0"/>
+              </a:spcAft>
+              <a:buClr>
+                <a:srgbClr val="000000"/>
+              </a:buClr>
+              <a:buFont typeface="Arial"/>
+              <a:defRPr sz="1400" b="0" i="0" u="none" strike="noStrike" cap="none">
+                <a:solidFill>
+                  <a:srgbClr val="000000"/>
+                </a:solidFill>
+                <a:latin typeface="Arial"/>
+                <a:ea typeface="Arial"/>
+                <a:cs typeface="Arial"/>
+                <a:sym typeface="Arial"/>
+              </a:defRPr>
+            </a:lvl1pPr>
+            <a:lvl2pPr marR="0" lvl="1" algn="l" rtl="0">
+              <a:lnSpc>
+                <a:spcPct val="100000"/>
+              </a:lnSpc>
+              <a:spcBef>
+                <a:spcPts val="0"/>
+              </a:spcBef>
+              <a:spcAft>
+                <a:spcPts val="0"/>
+              </a:spcAft>
+              <a:buClr>
+                <a:srgbClr val="000000"/>
+              </a:buClr>
+              <a:buFont typeface="Arial"/>
+              <a:defRPr sz="1400" b="0" i="0" u="none" strike="noStrike" cap="none">
+                <a:solidFill>
+                  <a:srgbClr val="000000"/>
+                </a:solidFill>
+                <a:latin typeface="Arial"/>
+                <a:ea typeface="Arial"/>
+                <a:cs typeface="Arial"/>
+                <a:sym typeface="Arial"/>
+              </a:defRPr>
+            </a:lvl2pPr>
+            <a:lvl3pPr marR="0" lvl="2" algn="l" rtl="0">
+              <a:lnSpc>
+                <a:spcPct val="100000"/>
+              </a:lnSpc>
+              <a:spcBef>
+                <a:spcPts val="0"/>
+              </a:spcBef>
+              <a:spcAft>
+                <a:spcPts val="0"/>
+              </a:spcAft>
+              <a:buClr>
+                <a:srgbClr val="000000"/>
+              </a:buClr>
+              <a:buFont typeface="Arial"/>
+              <a:defRPr sz="1400" b="0" i="0" u="none" strike="noStrike" cap="none">
+                <a:solidFill>
+                  <a:srgbClr val="000000"/>
+                </a:solidFill>
+                <a:latin typeface="Arial"/>
+                <a:ea typeface="Arial"/>
+                <a:cs typeface="Arial"/>
+                <a:sym typeface="Arial"/>
+              </a:defRPr>
+            </a:lvl3pPr>
+            <a:lvl4pPr marR="0" lvl="3" algn="l" rtl="0">
+              <a:lnSpc>
+                <a:spcPct val="100000"/>
+              </a:lnSpc>
+              <a:spcBef>
+                <a:spcPts val="0"/>
+              </a:spcBef>
+              <a:spcAft>
+                <a:spcPts val="0"/>
+              </a:spcAft>
+              <a:buClr>
+                <a:srgbClr val="000000"/>
+              </a:buClr>
+              <a:buFont typeface="Arial"/>
+              <a:defRPr sz="1400" b="0" i="0" u="none" strike="noStrike" cap="none">
+                <a:solidFill>
+                  <a:srgbClr val="000000"/>
+                </a:solidFill>
+                <a:latin typeface="Arial"/>
+                <a:ea typeface="Arial"/>
+                <a:cs typeface="Arial"/>
+                <a:sym typeface="Arial"/>
+              </a:defRPr>
+            </a:lvl4pPr>
+            <a:lvl5pPr marR="0" lvl="4" algn="l" rtl="0">
+              <a:lnSpc>
+                <a:spcPct val="100000"/>
+              </a:lnSpc>
+              <a:spcBef>
+                <a:spcPts val="0"/>
+              </a:spcBef>
+              <a:spcAft>
+                <a:spcPts val="0"/>
+              </a:spcAft>
+              <a:buClr>
+                <a:srgbClr val="000000"/>
+              </a:buClr>
+              <a:buFont typeface="Arial"/>
+              <a:defRPr sz="1400" b="0" i="0" u="none" strike="noStrike" cap="none">
+                <a:solidFill>
+                  <a:srgbClr val="000000"/>
+                </a:solidFill>
+                <a:latin typeface="Arial"/>
+                <a:ea typeface="Arial"/>
+                <a:cs typeface="Arial"/>
+                <a:sym typeface="Arial"/>
+              </a:defRPr>
+            </a:lvl5pPr>
+            <a:lvl6pPr marR="0" lvl="5" algn="l" rtl="0">
+              <a:lnSpc>
+                <a:spcPct val="100000"/>
+              </a:lnSpc>
+              <a:spcBef>
+                <a:spcPts val="0"/>
+              </a:spcBef>
+              <a:spcAft>
+                <a:spcPts val="0"/>
+              </a:spcAft>
+              <a:buClr>
+                <a:srgbClr val="000000"/>
+              </a:buClr>
+              <a:buFont typeface="Arial"/>
+              <a:defRPr sz="1400" b="0" i="0" u="none" strike="noStrike" cap="none">
+                <a:solidFill>
+                  <a:srgbClr val="000000"/>
+                </a:solidFill>
+                <a:latin typeface="Arial"/>
+                <a:ea typeface="Arial"/>
+                <a:cs typeface="Arial"/>
+                <a:sym typeface="Arial"/>
+              </a:defRPr>
+            </a:lvl6pPr>
+            <a:lvl7pPr marR="0" lvl="6" algn="l" rtl="0">
+              <a:lnSpc>
+                <a:spcPct val="100000"/>
+              </a:lnSpc>
+              <a:spcBef>
+                <a:spcPts val="0"/>
+              </a:spcBef>
+              <a:spcAft>
+                <a:spcPts val="0"/>
+              </a:spcAft>
+              <a:buClr>
+                <a:srgbClr val="000000"/>
+              </a:buClr>
+              <a:buFont typeface="Arial"/>
+              <a:defRPr sz="1400" b="0" i="0" u="none" strike="noStrike" cap="none">
+                <a:solidFill>
+                  <a:srgbClr val="000000"/>
+                </a:solidFill>
+                <a:latin typeface="Arial"/>
+                <a:ea typeface="Arial"/>
+                <a:cs typeface="Arial"/>
+                <a:sym typeface="Arial"/>
+              </a:defRPr>
+            </a:lvl7pPr>
+            <a:lvl8pPr marR="0" lvl="7" algn="l" rtl="0">
+              <a:lnSpc>
+                <a:spcPct val="100000"/>
+              </a:lnSpc>
+              <a:spcBef>
+                <a:spcPts val="0"/>
+              </a:spcBef>
+              <a:spcAft>
+                <a:spcPts val="0"/>
+              </a:spcAft>
+              <a:buClr>
+                <a:srgbClr val="000000"/>
+              </a:buClr>
+              <a:buFont typeface="Arial"/>
+              <a:defRPr sz="1400" b="0" i="0" u="none" strike="noStrike" cap="none">
+                <a:solidFill>
+                  <a:srgbClr val="000000"/>
+                </a:solidFill>
+                <a:latin typeface="Arial"/>
+                <a:ea typeface="Arial"/>
+                <a:cs typeface="Arial"/>
+                <a:sym typeface="Arial"/>
+              </a:defRPr>
+            </a:lvl8pPr>
+            <a:lvl9pPr marR="0" lvl="8" algn="l" rtl="0">
+              <a:lnSpc>
+                <a:spcPct val="100000"/>
+              </a:lnSpc>
+              <a:spcBef>
+                <a:spcPts val="0"/>
+              </a:spcBef>
+              <a:spcAft>
+                <a:spcPts val="0"/>
+              </a:spcAft>
+              <a:buClr>
+                <a:srgbClr val="000000"/>
+              </a:buClr>
+              <a:buFont typeface="Arial"/>
+              <a:defRPr sz="1400" b="0" i="0" u="none" strike="noStrike" cap="none">
+                <a:solidFill>
+                  <a:srgbClr val="000000"/>
+                </a:solidFill>
+                <a:latin typeface="Arial"/>
+                <a:ea typeface="Arial"/>
+                <a:cs typeface="Arial"/>
+                <a:sym typeface="Arial"/>
+              </a:defRPr>
+            </a:lvl9pPr>
+          </a:lstStyle>
+          <a:p>
+            <a:pPr algn="ctr"/>
+            <a:r>
+              <a:rPr lang="en-US" sz="2000" dirty="0">
+                <a:latin typeface="Staatliches" panose="02010600030101010101" charset="0"/>
+              </a:rPr>
+              <a:t>Conceptual Model</a:t>
+            </a:r>
+          </a:p>
+        </p:txBody>
+      </p:sp>
+    </p:spTree>
+    <p:extLst>
+      <p:ext uri="{BB962C8B-B14F-4D97-AF65-F5344CB8AC3E}">
+        <p14:creationId xmlns:p14="http://schemas.microsoft.com/office/powerpoint/2010/main" val="1082045210"/>
+      </p:ext>
+    </p:extLst>
+  </p:cSld>
+  <p:clrMapOvr>
+    <a:masterClrMapping/>
+  </p:clrMapOvr>
+</p:sld>
+</file>
+
+<file path=ppt/slides/slide11.xml><?xml version="1.0" encoding="utf-8"?>
 <p:sld xmlns:a="http://schemas.openxmlformats.org/drawingml/2006/main" xmlns:r="http://schemas.openxmlformats.org/officeDocument/2006/relationships" xmlns:p="http://schemas.openxmlformats.org/presentationml/2006/main">
   <p:cSld>
     <p:spTree>
@@ -25347,18 +25763,14 @@
           </a:bodyPr>
           <a:lstStyle/>
           <a:p>
-            <a:pPr marL="0" lvl="0" indent="0" algn="l" rtl="0">
-              <a:spcBef>
-                <a:spcPts val="0"/>
-              </a:spcBef>
+            <a:pPr marL="0" indent="0">
               <a:spcAft>
                 <a:spcPts val="1600"/>
               </a:spcAft>
-              <a:buNone/>
             </a:pPr>
             <a:r>
               <a:rPr lang="en-US" dirty="0"/>
-              <a:t>Help health care systems properly manage and observe the ongoingCOVID-19 Pandemic by providing organize statistics and information about the spreading of the virus</a:t>
+              <a:t>Help health care systems properly manage and observe the ongoing COVID-19 Pandemic by providing organize statistics and information about the spreading of the virus</a:t>
             </a:r>
           </a:p>
         </p:txBody>
@@ -27198,7 +27610,7 @@
             </a:pPr>
             <a:r>
               <a:rPr lang="en" dirty="0"/>
-              <a:t>Warining individual to avoiding visiting high risk place</a:t>
+              <a:t>Warning individuals to avoid visiting high risk places</a:t>
             </a:r>
             <a:endParaRPr dirty="0"/>
           </a:p>
@@ -27271,24 +27683,20 @@
           </a:bodyPr>
           <a:lstStyle/>
           <a:p>
-            <a:pPr marL="0" lvl="0" indent="0" algn="ctr" rtl="0">
-              <a:spcBef>
-                <a:spcPts val="0"/>
-              </a:spcBef>
-              <a:spcAft>
-                <a:spcPts val="0"/>
-              </a:spcAft>
-              <a:buNone/>
-            </a:pPr>
+            <a:pPr marL="0" indent="0"/>
             <a:r>
               <a:rPr lang="en-US" dirty="0"/>
               <a:t>F</a:t>
             </a:r>
             <a:r>
+              <a:rPr lang="en" dirty="0" err="1"/>
+              <a:t>ollow</a:t>
+            </a:r>
+            <a:r>
               <a:rPr lang="en" dirty="0"/>
-              <a:t>ollow up each case to find best cure to fight back COVID 19</a:t>
+              <a:t> up on each case to find best treatment to fight COVID-19</a:t>
             </a:r>
-            <a:endParaRPr dirty="0"/>
+            <a:endParaRPr lang="en-US" dirty="0"/>
           </a:p>
         </p:txBody>
       </p:sp>
@@ -27317,18 +27725,10 @@
           </a:bodyPr>
           <a:lstStyle/>
           <a:p>
-            <a:pPr marL="0" lvl="0" indent="0" algn="ctr" rtl="0">
-              <a:spcBef>
-                <a:spcPts val="0"/>
-              </a:spcBef>
-              <a:spcAft>
-                <a:spcPts val="0"/>
-              </a:spcAft>
-              <a:buNone/>
-            </a:pPr>
+            <a:pPr marL="0" indent="0"/>
             <a:r>
               <a:rPr lang="en" dirty="0"/>
-              <a:t> </a:t>
+              <a:t> </a:t>
             </a:r>
             <a:r>
               <a:rPr lang="en-US" dirty="0"/>
@@ -27336,7 +27736,7 @@
             </a:r>
             <a:r>
               <a:rPr lang="en" dirty="0"/>
-              <a:t> Analyse</a:t>
+              <a:t> Analysis</a:t>
             </a:r>
             <a:endParaRPr dirty="0"/>
           </a:p>
@@ -27495,10 +27895,10 @@
       </p:grpSpPr>
       <p:pic>
         <p:nvPicPr>
-          <p:cNvPr id="1030" name="Picture 6">
+          <p:cNvPr id="1026" name="Picture 2">
             <a:extLst>
               <a:ext uri="{FF2B5EF4-FFF2-40B4-BE49-F238E27FC236}">
-                <a16:creationId xmlns:a16="http://schemas.microsoft.com/office/drawing/2014/main" id="{42F865EE-FEAC-4641-BB5D-880A11A23B2A}"/>
+                <a16:creationId xmlns:a16="http://schemas.microsoft.com/office/drawing/2014/main" id="{72C85422-3C14-4961-A752-AED161F41ECC}"/>
               </a:ext>
             </a:extLst>
           </p:cNvPr>
@@ -27532,8 +27932,8 @@
         </p:blipFill>
         <p:spPr bwMode="auto">
           <a:xfrm>
-            <a:off x="3572176" y="0"/>
-            <a:ext cx="5016500" cy="5143500"/>
+            <a:off x="307686" y="867733"/>
+            <a:ext cx="8585441" cy="3850034"/>
           </a:xfrm>
           <a:prstGeom prst="rect">
             <a:avLst/>
@@ -27552,79 +27952,6 @@
       </p:pic>
       <p:sp>
         <p:nvSpPr>
-          <p:cNvPr id="3" name="TextBox 2">
-            <a:extLst>
-              <a:ext uri="{FF2B5EF4-FFF2-40B4-BE49-F238E27FC236}">
-                <a16:creationId xmlns:a16="http://schemas.microsoft.com/office/drawing/2014/main" id="{A99F8599-FAC8-4A9F-ADF1-9E7A67B4D70C}"/>
-              </a:ext>
-            </a:extLst>
-          </p:cNvPr>
-          <p:cNvSpPr txBox="1"/>
-          <p:nvPr/>
-        </p:nvSpPr>
-        <p:spPr>
-          <a:xfrm>
-            <a:off x="5765139" y="1808777"/>
-            <a:ext cx="780663" cy="307777"/>
-          </a:xfrm>
-          <a:prstGeom prst="rect">
-            <a:avLst/>
-          </a:prstGeom>
-          <a:noFill/>
-        </p:spPr>
-        <p:txBody>
-          <a:bodyPr wrap="none" rtlCol="0">
-            <a:spAutoFit/>
-          </a:bodyPr>
-          <a:lstStyle/>
-          <a:p>
-            <a:pPr marL="0" marR="45720" lvl="0" indent="0" algn="ctr" defTabSz="914400" rtl="0" eaLnBrk="1" fontAlgn="auto" latinLnBrk="0" hangingPunct="1">
-              <a:lnSpc>
-                <a:spcPct val="100000"/>
-              </a:lnSpc>
-              <a:spcBef>
-                <a:spcPts val="0"/>
-              </a:spcBef>
-              <a:spcAft>
-                <a:spcPts val="1600"/>
-              </a:spcAft>
-              <a:buClr>
-                <a:srgbClr val="20124D"/>
-              </a:buClr>
-              <a:buSzPts val="1400"/>
-              <a:buFont typeface="Abel"/>
-              <a:buNone/>
-              <a:tabLst/>
-              <a:defRPr/>
-            </a:pPr>
-            <a:r>
-              <a:rPr lang="en-US" dirty="0">
-                <a:solidFill>
-                  <a:srgbClr val="20124D"/>
-                </a:solidFill>
-                <a:latin typeface="Abel"/>
-                <a:sym typeface="Abel"/>
-              </a:rPr>
-              <a:t>Testing </a:t>
-            </a:r>
-            <a:endParaRPr kumimoji="0" lang="en-US" sz="1400" b="0" i="0" u="none" strike="noStrike" kern="0" cap="none" spc="0" normalizeH="0" baseline="0" noProof="0" dirty="0">
-              <a:ln>
-                <a:noFill/>
-              </a:ln>
-              <a:solidFill>
-                <a:srgbClr val="20124D"/>
-              </a:solidFill>
-              <a:effectLst/>
-              <a:uLnTx/>
-              <a:uFillTx/>
-              <a:latin typeface="Abel"/>
-              <a:sym typeface="Abel"/>
-            </a:endParaRPr>
-          </a:p>
-        </p:txBody>
-      </p:sp>
-      <p:sp>
-        <p:nvSpPr>
           <p:cNvPr id="4" name="TextBox 3">
             <a:extLst>
               <a:ext uri="{FF2B5EF4-FFF2-40B4-BE49-F238E27FC236}">
@@ -27637,7 +27964,7 @@
         </p:nvSpPr>
         <p:spPr>
           <a:xfrm>
-            <a:off x="4632085" y="1100173"/>
+            <a:off x="2546328" y="1684090"/>
             <a:ext cx="687689" cy="307777"/>
           </a:xfrm>
           <a:prstGeom prst="rect">
@@ -27710,8 +28037,8 @@
         </p:nvSpPr>
         <p:spPr>
           <a:xfrm>
-            <a:off x="4726885" y="3779090"/>
-            <a:ext cx="724558" cy="307777"/>
+            <a:off x="2268207" y="2910792"/>
+            <a:ext cx="621966" cy="307777"/>
           </a:xfrm>
           <a:prstGeom prst="rect">
             <a:avLst/>
@@ -27751,7 +28078,7 @@
                 <a:latin typeface="Abel"/>
                 <a:sym typeface="Abel"/>
               </a:rPr>
-              <a:t>Return </a:t>
+              <a:t>Warn </a:t>
             </a:r>
             <a:endParaRPr kumimoji="0" lang="en-US" sz="1400" b="0" i="0" u="none" strike="noStrike" kern="0" cap="none" spc="0" normalizeH="0" baseline="0" noProof="0" dirty="0">
               <a:ln>
@@ -27771,48 +28098,6 @@
       </p:sp>
       <p:sp>
         <p:nvSpPr>
-          <p:cNvPr id="13" name="TextBox 12">
-            <a:extLst>
-              <a:ext uri="{FF2B5EF4-FFF2-40B4-BE49-F238E27FC236}">
-                <a16:creationId xmlns:a16="http://schemas.microsoft.com/office/drawing/2014/main" id="{6EFD3EDB-5226-4CA1-A309-14A73486A03A}"/>
-              </a:ext>
-            </a:extLst>
-          </p:cNvPr>
-          <p:cNvSpPr txBox="1"/>
-          <p:nvPr/>
-        </p:nvSpPr>
-        <p:spPr>
-          <a:xfrm>
-            <a:off x="4726885" y="2571750"/>
-            <a:ext cx="4572000" cy="307777"/>
-          </a:xfrm>
-          <a:prstGeom prst="rect">
-            <a:avLst/>
-          </a:prstGeom>
-          <a:noFill/>
-        </p:spPr>
-        <p:txBody>
-          <a:bodyPr wrap="square">
-            <a:spAutoFit/>
-          </a:bodyPr>
-          <a:lstStyle/>
-          <a:p>
-            <a:r>
-              <a:rPr lang="en-US" dirty="0">
-                <a:solidFill>
-                  <a:srgbClr val="20124D"/>
-                </a:solidFill>
-                <a:latin typeface="Abel"/>
-                <a:sym typeface="Abel"/>
-              </a:rPr>
-              <a:t>Send</a:t>
-            </a:r>
-            <a:endParaRPr lang="en-US" dirty="0"/>
-          </a:p>
-        </p:txBody>
-      </p:sp>
-      <p:sp>
-        <p:nvSpPr>
           <p:cNvPr id="19" name="Google Shape;317;p31">
             <a:extLst>
               <a:ext uri="{FF2B5EF4-FFF2-40B4-BE49-F238E27FC236}">
@@ -27825,7 +28110,7 @@
         </p:nvSpPr>
         <p:spPr>
           <a:xfrm>
-            <a:off x="489085" y="674402"/>
+            <a:off x="724087" y="260722"/>
             <a:ext cx="3012300" cy="544500"/>
           </a:xfrm>
           <a:prstGeom prst="roundRect">
@@ -27875,7 +28160,7 @@
         </p:nvSpPr>
         <p:spPr>
           <a:xfrm flipH="1">
-            <a:off x="546506" y="736780"/>
+            <a:off x="694271" y="331726"/>
             <a:ext cx="2757347" cy="379761"/>
           </a:xfrm>
           <a:prstGeom prst="rect">
@@ -28119,10 +28404,16 @@
             <a:pPr algn="ctr"/>
             <a:r>
               <a:rPr lang="en-US" sz="2000" dirty="0">
+                <a:latin typeface="Staatliches" panose="02010600030101010101" charset="0"/>
+              </a:rPr>
+              <a:t>State dept of heath </a:t>
+            </a:r>
+            <a:r>
+              <a:rPr lang="en-US" sz="2000" dirty="0">
                 <a:effectLst/>
                 <a:latin typeface="Staatliches" panose="02010600030101010101" charset="0"/>
               </a:rPr>
-              <a:t>Testing Facilities View</a:t>
+              <a:t>View</a:t>
             </a:r>
             <a:endParaRPr lang="en-US" sz="2000" dirty="0">
               <a:latin typeface="Staatliches" panose="02010600030101010101" charset="0"/>
@@ -29358,6 +29649,152 @@
           </p:txBody>
         </p:sp>
       </p:grpSp>
+      <p:sp>
+        <p:nvSpPr>
+          <p:cNvPr id="2" name="TextBox 1">
+            <a:extLst>
+              <a:ext uri="{FF2B5EF4-FFF2-40B4-BE49-F238E27FC236}">
+                <a16:creationId xmlns:a16="http://schemas.microsoft.com/office/drawing/2014/main" id="{25B8CF84-7602-4CF1-ACB3-812B0D83235F}"/>
+              </a:ext>
+            </a:extLst>
+          </p:cNvPr>
+          <p:cNvSpPr txBox="1"/>
+          <p:nvPr/>
+        </p:nvSpPr>
+        <p:spPr>
+          <a:xfrm>
+            <a:off x="4074395" y="3218569"/>
+            <a:ext cx="886461" cy="307777"/>
+          </a:xfrm>
+          <a:prstGeom prst="rect">
+            <a:avLst/>
+          </a:prstGeom>
+          <a:noFill/>
+        </p:spPr>
+        <p:txBody>
+          <a:bodyPr wrap="none" rtlCol="0">
+            <a:spAutoFit/>
+          </a:bodyPr>
+          <a:lstStyle/>
+          <a:p>
+            <a:pPr marL="0" marR="45720" lvl="0" indent="0" algn="ctr" defTabSz="914400" rtl="0" eaLnBrk="1" fontAlgn="auto" latinLnBrk="0" hangingPunct="1">
+              <a:lnSpc>
+                <a:spcPct val="100000"/>
+              </a:lnSpc>
+              <a:spcBef>
+                <a:spcPts val="0"/>
+              </a:spcBef>
+              <a:spcAft>
+                <a:spcPts val="1600"/>
+              </a:spcAft>
+              <a:buClr>
+                <a:srgbClr val="20124D"/>
+              </a:buClr>
+              <a:buSzPts val="1400"/>
+              <a:buFont typeface="Abel"/>
+              <a:buNone/>
+              <a:tabLst/>
+              <a:defRPr/>
+            </a:pPr>
+            <a:r>
+              <a:rPr lang="en-US" dirty="0">
+                <a:solidFill>
+                  <a:srgbClr val="20124D"/>
+                </a:solidFill>
+                <a:latin typeface="Abel"/>
+                <a:sym typeface="Abel"/>
+              </a:rPr>
+              <a:t>Overview </a:t>
+            </a:r>
+            <a:endParaRPr kumimoji="0" lang="en-US" sz="1400" b="0" i="0" u="none" strike="noStrike" kern="0" cap="none" spc="0" normalizeH="0" baseline="0" noProof="0" dirty="0">
+              <a:ln>
+                <a:noFill/>
+              </a:ln>
+              <a:solidFill>
+                <a:srgbClr val="20124D"/>
+              </a:solidFill>
+              <a:effectLst/>
+              <a:uLnTx/>
+              <a:uFillTx/>
+              <a:latin typeface="Abel"/>
+              <a:sym typeface="Abel"/>
+            </a:endParaRPr>
+          </a:p>
+        </p:txBody>
+      </p:sp>
+      <p:sp>
+        <p:nvSpPr>
+          <p:cNvPr id="5" name="TextBox 4">
+            <a:extLst>
+              <a:ext uri="{FF2B5EF4-FFF2-40B4-BE49-F238E27FC236}">
+                <a16:creationId xmlns:a16="http://schemas.microsoft.com/office/drawing/2014/main" id="{3327C58D-194F-4752-89D6-F3D6BC8CB090}"/>
+              </a:ext>
+            </a:extLst>
+          </p:cNvPr>
+          <p:cNvSpPr txBox="1"/>
+          <p:nvPr/>
+        </p:nvSpPr>
+        <p:spPr>
+          <a:xfrm>
+            <a:off x="5228346" y="2484973"/>
+            <a:ext cx="687689" cy="307777"/>
+          </a:xfrm>
+          <a:prstGeom prst="rect">
+            <a:avLst/>
+          </a:prstGeom>
+          <a:noFill/>
+        </p:spPr>
+        <p:txBody>
+          <a:bodyPr wrap="none" rtlCol="0">
+            <a:spAutoFit/>
+          </a:bodyPr>
+          <a:lstStyle/>
+          <a:p>
+            <a:pPr marL="0" marR="45720" lvl="0" indent="0" algn="ctr" defTabSz="914400" rtl="0" eaLnBrk="1" fontAlgn="auto" latinLnBrk="0" hangingPunct="1">
+              <a:lnSpc>
+                <a:spcPct val="100000"/>
+              </a:lnSpc>
+              <a:spcBef>
+                <a:spcPts val="0"/>
+              </a:spcBef>
+              <a:spcAft>
+                <a:spcPts val="1600"/>
+              </a:spcAft>
+              <a:buClr>
+                <a:srgbClr val="20124D"/>
+              </a:buClr>
+              <a:buSzPts val="1400"/>
+              <a:buFont typeface="Abel"/>
+              <a:buNone/>
+              <a:tabLst/>
+              <a:defRPr/>
+            </a:pPr>
+            <a:r>
+              <a:rPr lang="en-US" dirty="0">
+                <a:solidFill>
+                  <a:srgbClr val="20124D"/>
+                </a:solidFill>
+                <a:latin typeface="Abel"/>
+                <a:sym typeface="Abel"/>
+              </a:rPr>
+              <a:t>Feeds </a:t>
+            </a:r>
+            <a:endParaRPr kumimoji="0" lang="en-US" sz="1400" b="0" i="0" u="none" strike="noStrike" kern="0" cap="none" spc="0" normalizeH="0" baseline="0" noProof="0" dirty="0">
+              <a:ln>
+                <a:noFill/>
+              </a:ln>
+              <a:solidFill>
+                <a:srgbClr val="20124D"/>
+              </a:solidFill>
+              <a:effectLst/>
+              <a:uLnTx/>
+              <a:uFillTx/>
+              <a:latin typeface="Abel"/>
+              <a:sym typeface="Abel"/>
+            </a:endParaRPr>
+          </a:p>
+        </p:txBody>
+      </p:sp>
     </p:spTree>
     <p:extLst>
       <p:ext uri="{BB962C8B-B14F-4D97-AF65-F5344CB8AC3E}">
@@ -29388,12 +29825,404 @@
           <a:chExt cx="0" cy="0"/>
         </a:xfrm>
       </p:grpSpPr>
+      <p:sp>
+        <p:nvSpPr>
+          <p:cNvPr id="6" name="TextBox 5">
+            <a:extLst>
+              <a:ext uri="{FF2B5EF4-FFF2-40B4-BE49-F238E27FC236}">
+                <a16:creationId xmlns:a16="http://schemas.microsoft.com/office/drawing/2014/main" id="{316C1D67-69B6-4E2F-8762-07E5B9690548}"/>
+              </a:ext>
+            </a:extLst>
+          </p:cNvPr>
+          <p:cNvSpPr txBox="1"/>
+          <p:nvPr/>
+        </p:nvSpPr>
+        <p:spPr>
+          <a:xfrm>
+            <a:off x="5206538" y="3612229"/>
+            <a:ext cx="272510" cy="307777"/>
+          </a:xfrm>
+          <a:prstGeom prst="rect">
+            <a:avLst/>
+          </a:prstGeom>
+          <a:noFill/>
+        </p:spPr>
+        <p:txBody>
+          <a:bodyPr wrap="none" rtlCol="0">
+            <a:spAutoFit/>
+          </a:bodyPr>
+          <a:lstStyle/>
+          <a:p>
+            <a:pPr marL="0" marR="45720" lvl="0" indent="0" algn="ctr" defTabSz="914400" rtl="0" eaLnBrk="1" fontAlgn="auto" latinLnBrk="0" hangingPunct="1">
+              <a:lnSpc>
+                <a:spcPct val="100000"/>
+              </a:lnSpc>
+              <a:spcBef>
+                <a:spcPts val="0"/>
+              </a:spcBef>
+              <a:spcAft>
+                <a:spcPts val="1600"/>
+              </a:spcAft>
+              <a:buClr>
+                <a:srgbClr val="20124D"/>
+              </a:buClr>
+              <a:buSzPts val="1400"/>
+              <a:buFont typeface="Abel"/>
+              <a:buNone/>
+              <a:tabLst/>
+              <a:defRPr/>
+            </a:pPr>
+            <a:r>
+              <a:rPr lang="en-US" dirty="0">
+                <a:solidFill>
+                  <a:srgbClr val="20124D"/>
+                </a:solidFill>
+                <a:latin typeface="Abel"/>
+                <a:sym typeface="Abel"/>
+              </a:rPr>
+              <a:t> </a:t>
+            </a:r>
+            <a:endParaRPr kumimoji="0" lang="en-US" sz="1400" b="0" i="0" u="none" strike="noStrike" kern="0" cap="none" spc="0" normalizeH="0" baseline="0" noProof="0" dirty="0">
+              <a:ln>
+                <a:noFill/>
+              </a:ln>
+              <a:solidFill>
+                <a:srgbClr val="20124D"/>
+              </a:solidFill>
+              <a:effectLst/>
+              <a:uLnTx/>
+              <a:uFillTx/>
+              <a:latin typeface="Abel"/>
+              <a:sym typeface="Abel"/>
+            </a:endParaRPr>
+          </a:p>
+        </p:txBody>
+      </p:sp>
+      <p:sp>
+        <p:nvSpPr>
+          <p:cNvPr id="19" name="Google Shape;317;p31">
+            <a:extLst>
+              <a:ext uri="{FF2B5EF4-FFF2-40B4-BE49-F238E27FC236}">
+                <a16:creationId xmlns:a16="http://schemas.microsoft.com/office/drawing/2014/main" id="{3BFC9FA8-3D7D-481E-AD38-086C94847164}"/>
+              </a:ext>
+            </a:extLst>
+          </p:cNvPr>
+          <p:cNvSpPr/>
+          <p:nvPr/>
+        </p:nvSpPr>
+        <p:spPr>
+          <a:xfrm>
+            <a:off x="855407" y="109098"/>
+            <a:ext cx="3012300" cy="544500"/>
+          </a:xfrm>
+          <a:prstGeom prst="roundRect">
+            <a:avLst>
+              <a:gd name="adj" fmla="val 50000"/>
+            </a:avLst>
+          </a:prstGeom>
+          <a:solidFill>
+            <a:schemeClr val="accent3"/>
+          </a:solidFill>
+          <a:ln>
+            <a:noFill/>
+          </a:ln>
+        </p:spPr>
+        <p:txBody>
+          <a:bodyPr spcFirstLastPara="1" wrap="square" lIns="91425" tIns="91425" rIns="91425" bIns="91425" anchor="ctr" anchorCtr="0">
+            <a:noAutofit/>
+          </a:bodyPr>
+          <a:lstStyle/>
+          <a:p>
+            <a:pPr marL="0" lvl="0" indent="0" algn="l" rtl="0">
+              <a:spcBef>
+                <a:spcPts val="0"/>
+              </a:spcBef>
+              <a:spcAft>
+                <a:spcPts val="0"/>
+              </a:spcAft>
+              <a:buNone/>
+            </a:pPr>
+            <a:endParaRPr dirty="0"/>
+          </a:p>
+        </p:txBody>
+      </p:sp>
+      <p:sp>
+        <p:nvSpPr>
+          <p:cNvPr id="20" name="Google Shape;322;p31">
+            <a:extLst>
+              <a:ext uri="{FF2B5EF4-FFF2-40B4-BE49-F238E27FC236}">
+                <a16:creationId xmlns:a16="http://schemas.microsoft.com/office/drawing/2014/main" id="{5E29DB06-3751-461E-8594-E1E62243729E}"/>
+              </a:ext>
+            </a:extLst>
+          </p:cNvPr>
+          <p:cNvSpPr txBox="1">
+            <a:spLocks/>
+          </p:cNvSpPr>
+          <p:nvPr/>
+        </p:nvSpPr>
+        <p:spPr>
+          <a:xfrm flipH="1">
+            <a:off x="912828" y="171476"/>
+            <a:ext cx="2757347" cy="379761"/>
+          </a:xfrm>
+          <a:prstGeom prst="rect">
+            <a:avLst/>
+          </a:prstGeom>
+        </p:spPr>
+        <p:txBody>
+          <a:bodyPr spcFirstLastPara="1" wrap="square" lIns="91425" tIns="91425" rIns="91425" bIns="91425" anchor="ctr" anchorCtr="0">
+            <a:noAutofit/>
+          </a:bodyPr>
+          <a:lstStyle>
+            <a:defPPr marR="0" lvl="0" algn="l" rtl="0">
+              <a:lnSpc>
+                <a:spcPct val="100000"/>
+              </a:lnSpc>
+              <a:spcBef>
+                <a:spcPts val="0"/>
+              </a:spcBef>
+              <a:spcAft>
+                <a:spcPts val="0"/>
+              </a:spcAft>
+            </a:defPPr>
+            <a:lvl1pPr marR="0" lvl="0" algn="l" rtl="0">
+              <a:lnSpc>
+                <a:spcPct val="100000"/>
+              </a:lnSpc>
+              <a:spcBef>
+                <a:spcPts val="0"/>
+              </a:spcBef>
+              <a:spcAft>
+                <a:spcPts val="0"/>
+              </a:spcAft>
+              <a:buClr>
+                <a:srgbClr val="000000"/>
+              </a:buClr>
+              <a:buFont typeface="Arial"/>
+              <a:defRPr sz="1400" b="0" i="0" u="none" strike="noStrike" cap="none">
+                <a:solidFill>
+                  <a:srgbClr val="000000"/>
+                </a:solidFill>
+                <a:latin typeface="Arial"/>
+                <a:ea typeface="Arial"/>
+                <a:cs typeface="Arial"/>
+                <a:sym typeface="Arial"/>
+              </a:defRPr>
+            </a:lvl1pPr>
+            <a:lvl2pPr marR="0" lvl="1" algn="l" rtl="0">
+              <a:lnSpc>
+                <a:spcPct val="100000"/>
+              </a:lnSpc>
+              <a:spcBef>
+                <a:spcPts val="0"/>
+              </a:spcBef>
+              <a:spcAft>
+                <a:spcPts val="0"/>
+              </a:spcAft>
+              <a:buClr>
+                <a:srgbClr val="000000"/>
+              </a:buClr>
+              <a:buFont typeface="Arial"/>
+              <a:defRPr sz="1400" b="0" i="0" u="none" strike="noStrike" cap="none">
+                <a:solidFill>
+                  <a:srgbClr val="000000"/>
+                </a:solidFill>
+                <a:latin typeface="Arial"/>
+                <a:ea typeface="Arial"/>
+                <a:cs typeface="Arial"/>
+                <a:sym typeface="Arial"/>
+              </a:defRPr>
+            </a:lvl2pPr>
+            <a:lvl3pPr marR="0" lvl="2" algn="l" rtl="0">
+              <a:lnSpc>
+                <a:spcPct val="100000"/>
+              </a:lnSpc>
+              <a:spcBef>
+                <a:spcPts val="0"/>
+              </a:spcBef>
+              <a:spcAft>
+                <a:spcPts val="0"/>
+              </a:spcAft>
+              <a:buClr>
+                <a:srgbClr val="000000"/>
+              </a:buClr>
+              <a:buFont typeface="Arial"/>
+              <a:defRPr sz="1400" b="0" i="0" u="none" strike="noStrike" cap="none">
+                <a:solidFill>
+                  <a:srgbClr val="000000"/>
+                </a:solidFill>
+                <a:latin typeface="Arial"/>
+                <a:ea typeface="Arial"/>
+                <a:cs typeface="Arial"/>
+                <a:sym typeface="Arial"/>
+              </a:defRPr>
+            </a:lvl3pPr>
+            <a:lvl4pPr marR="0" lvl="3" algn="l" rtl="0">
+              <a:lnSpc>
+                <a:spcPct val="100000"/>
+              </a:lnSpc>
+              <a:spcBef>
+                <a:spcPts val="0"/>
+              </a:spcBef>
+              <a:spcAft>
+                <a:spcPts val="0"/>
+              </a:spcAft>
+              <a:buClr>
+                <a:srgbClr val="000000"/>
+              </a:buClr>
+              <a:buFont typeface="Arial"/>
+              <a:defRPr sz="1400" b="0" i="0" u="none" strike="noStrike" cap="none">
+                <a:solidFill>
+                  <a:srgbClr val="000000"/>
+                </a:solidFill>
+                <a:latin typeface="Arial"/>
+                <a:ea typeface="Arial"/>
+                <a:cs typeface="Arial"/>
+                <a:sym typeface="Arial"/>
+              </a:defRPr>
+            </a:lvl4pPr>
+            <a:lvl5pPr marR="0" lvl="4" algn="l" rtl="0">
+              <a:lnSpc>
+                <a:spcPct val="100000"/>
+              </a:lnSpc>
+              <a:spcBef>
+                <a:spcPts val="0"/>
+              </a:spcBef>
+              <a:spcAft>
+                <a:spcPts val="0"/>
+              </a:spcAft>
+              <a:buClr>
+                <a:srgbClr val="000000"/>
+              </a:buClr>
+              <a:buFont typeface="Arial"/>
+              <a:defRPr sz="1400" b="0" i="0" u="none" strike="noStrike" cap="none">
+                <a:solidFill>
+                  <a:srgbClr val="000000"/>
+                </a:solidFill>
+                <a:latin typeface="Arial"/>
+                <a:ea typeface="Arial"/>
+                <a:cs typeface="Arial"/>
+                <a:sym typeface="Arial"/>
+              </a:defRPr>
+            </a:lvl5pPr>
+            <a:lvl6pPr marR="0" lvl="5" algn="l" rtl="0">
+              <a:lnSpc>
+                <a:spcPct val="100000"/>
+              </a:lnSpc>
+              <a:spcBef>
+                <a:spcPts val="0"/>
+              </a:spcBef>
+              <a:spcAft>
+                <a:spcPts val="0"/>
+              </a:spcAft>
+              <a:buClr>
+                <a:srgbClr val="000000"/>
+              </a:buClr>
+              <a:buFont typeface="Arial"/>
+              <a:defRPr sz="1400" b="0" i="0" u="none" strike="noStrike" cap="none">
+                <a:solidFill>
+                  <a:srgbClr val="000000"/>
+                </a:solidFill>
+                <a:latin typeface="Arial"/>
+                <a:ea typeface="Arial"/>
+                <a:cs typeface="Arial"/>
+                <a:sym typeface="Arial"/>
+              </a:defRPr>
+            </a:lvl6pPr>
+            <a:lvl7pPr marR="0" lvl="6" algn="l" rtl="0">
+              <a:lnSpc>
+                <a:spcPct val="100000"/>
+              </a:lnSpc>
+              <a:spcBef>
+                <a:spcPts val="0"/>
+              </a:spcBef>
+              <a:spcAft>
+                <a:spcPts val="0"/>
+              </a:spcAft>
+              <a:buClr>
+                <a:srgbClr val="000000"/>
+              </a:buClr>
+              <a:buFont typeface="Arial"/>
+              <a:defRPr sz="1400" b="0" i="0" u="none" strike="noStrike" cap="none">
+                <a:solidFill>
+                  <a:srgbClr val="000000"/>
+                </a:solidFill>
+                <a:latin typeface="Arial"/>
+                <a:ea typeface="Arial"/>
+                <a:cs typeface="Arial"/>
+                <a:sym typeface="Arial"/>
+              </a:defRPr>
+            </a:lvl7pPr>
+            <a:lvl8pPr marR="0" lvl="7" algn="l" rtl="0">
+              <a:lnSpc>
+                <a:spcPct val="100000"/>
+              </a:lnSpc>
+              <a:spcBef>
+                <a:spcPts val="0"/>
+              </a:spcBef>
+              <a:spcAft>
+                <a:spcPts val="0"/>
+              </a:spcAft>
+              <a:buClr>
+                <a:srgbClr val="000000"/>
+              </a:buClr>
+              <a:buFont typeface="Arial"/>
+              <a:defRPr sz="1400" b="0" i="0" u="none" strike="noStrike" cap="none">
+                <a:solidFill>
+                  <a:srgbClr val="000000"/>
+                </a:solidFill>
+                <a:latin typeface="Arial"/>
+                <a:ea typeface="Arial"/>
+                <a:cs typeface="Arial"/>
+                <a:sym typeface="Arial"/>
+              </a:defRPr>
+            </a:lvl8pPr>
+            <a:lvl9pPr marR="0" lvl="8" algn="l" rtl="0">
+              <a:lnSpc>
+                <a:spcPct val="100000"/>
+              </a:lnSpc>
+              <a:spcBef>
+                <a:spcPts val="0"/>
+              </a:spcBef>
+              <a:spcAft>
+                <a:spcPts val="0"/>
+              </a:spcAft>
+              <a:buClr>
+                <a:srgbClr val="000000"/>
+              </a:buClr>
+              <a:buFont typeface="Arial"/>
+              <a:defRPr sz="1400" b="0" i="0" u="none" strike="noStrike" cap="none">
+                <a:solidFill>
+                  <a:srgbClr val="000000"/>
+                </a:solidFill>
+                <a:latin typeface="Arial"/>
+                <a:ea typeface="Arial"/>
+                <a:cs typeface="Arial"/>
+                <a:sym typeface="Arial"/>
+              </a:defRPr>
+            </a:lvl9pPr>
+          </a:lstStyle>
+          <a:p>
+            <a:pPr algn="ctr"/>
+            <a:r>
+              <a:rPr lang="en-US" sz="2000" dirty="0">
+                <a:effectLst/>
+                <a:latin typeface="Staatliches" panose="02010600030101010101" charset="0"/>
+              </a:rPr>
+              <a:t>Testing Facilities View</a:t>
+            </a:r>
+            <a:endParaRPr lang="en-US" sz="2000" dirty="0">
+              <a:latin typeface="Staatliches" panose="02010600030101010101" charset="0"/>
+            </a:endParaRPr>
+          </a:p>
+        </p:txBody>
+      </p:sp>
       <p:pic>
         <p:nvPicPr>
-          <p:cNvPr id="2052" name="Picture 4">
+          <p:cNvPr id="5124" name="Picture 4">
             <a:extLst>
               <a:ext uri="{FF2B5EF4-FFF2-40B4-BE49-F238E27FC236}">
-                <a16:creationId xmlns:a16="http://schemas.microsoft.com/office/drawing/2014/main" id="{73DE05B4-EE97-4A1E-9BF8-954B101B3CD1}"/>
+                <a16:creationId xmlns:a16="http://schemas.microsoft.com/office/drawing/2014/main" id="{53CEC208-D7E7-445B-B9CB-186503B8F2B0}"/>
               </a:ext>
             </a:extLst>
           </p:cNvPr>
@@ -29427,8 +30256,1503 @@
         </p:blipFill>
         <p:spPr bwMode="auto">
           <a:xfrm>
-            <a:off x="728320" y="67579"/>
-            <a:ext cx="8334375" cy="4914900"/>
+            <a:off x="1394961" y="653598"/>
+            <a:ext cx="7517624" cy="4420663"/>
+          </a:xfrm>
+          <a:prstGeom prst="rect">
+            <a:avLst/>
+          </a:prstGeom>
+          <a:noFill/>
+          <a:extLst>
+            <a:ext uri="{909E8E84-426E-40DD-AFC4-6F175D3DCCD1}">
+              <a14:hiddenFill xmlns:a14="http://schemas.microsoft.com/office/drawing/2010/main">
+                <a:solidFill>
+                  <a:srgbClr val="FFFFFF"/>
+                </a:solidFill>
+              </a14:hiddenFill>
+            </a:ext>
+          </a:extLst>
+        </p:spPr>
+      </p:pic>
+      <p:grpSp>
+        <p:nvGrpSpPr>
+          <p:cNvPr id="17" name="Google Shape;1702;p58">
+            <a:extLst>
+              <a:ext uri="{FF2B5EF4-FFF2-40B4-BE49-F238E27FC236}">
+                <a16:creationId xmlns:a16="http://schemas.microsoft.com/office/drawing/2014/main" id="{BF55FDD6-9728-44C6-9A9F-8C135DA51D42}"/>
+              </a:ext>
+            </a:extLst>
+          </p:cNvPr>
+          <p:cNvGrpSpPr/>
+          <p:nvPr/>
+        </p:nvGrpSpPr>
+        <p:grpSpPr>
+          <a:xfrm>
+            <a:off x="341114" y="272281"/>
+            <a:ext cx="374182" cy="381317"/>
+            <a:chOff x="1228370" y="90500"/>
+            <a:chExt cx="336222" cy="336258"/>
+          </a:xfrm>
+        </p:grpSpPr>
+        <p:sp>
+          <p:nvSpPr>
+            <p:cNvPr id="18" name="Google Shape;1703;p58">
+              <a:extLst>
+                <a:ext uri="{FF2B5EF4-FFF2-40B4-BE49-F238E27FC236}">
+                  <a16:creationId xmlns:a16="http://schemas.microsoft.com/office/drawing/2014/main" id="{1598CA4C-B1DA-4943-A25D-2B27DC639DA8}"/>
+                </a:ext>
+              </a:extLst>
+            </p:cNvPr>
+            <p:cNvSpPr/>
+            <p:nvPr/>
+          </p:nvSpPr>
+          <p:spPr>
+            <a:xfrm>
+              <a:off x="1228370" y="90500"/>
+              <a:ext cx="336222" cy="336258"/>
+            </a:xfrm>
+            <a:custGeom>
+              <a:avLst/>
+              <a:gdLst/>
+              <a:ahLst/>
+              <a:cxnLst/>
+              <a:rect l="l" t="t" r="r" b="b"/>
+              <a:pathLst>
+                <a:path w="9359" h="9360" extrusionOk="0">
+                  <a:moveTo>
+                    <a:pt x="2930" y="6041"/>
+                  </a:moveTo>
+                  <a:cubicBezTo>
+                    <a:pt x="2991" y="6109"/>
+                    <a:pt x="3052" y="6177"/>
+                    <a:pt x="3117" y="6242"/>
+                  </a:cubicBezTo>
+                  <a:cubicBezTo>
+                    <a:pt x="3182" y="6306"/>
+                    <a:pt x="3249" y="6367"/>
+                    <a:pt x="3317" y="6428"/>
+                  </a:cubicBezTo>
+                  <a:lnTo>
+                    <a:pt x="2923" y="6822"/>
+                  </a:lnTo>
+                  <a:lnTo>
+                    <a:pt x="2536" y="6435"/>
+                  </a:lnTo>
+                  <a:lnTo>
+                    <a:pt x="2930" y="6041"/>
+                  </a:lnTo>
+                  <a:close/>
+                  <a:moveTo>
+                    <a:pt x="5703" y="276"/>
+                  </a:moveTo>
+                  <a:cubicBezTo>
+                    <a:pt x="6635" y="276"/>
+                    <a:pt x="7482" y="653"/>
+                    <a:pt x="8094" y="1265"/>
+                  </a:cubicBezTo>
+                  <a:cubicBezTo>
+                    <a:pt x="8705" y="1880"/>
+                    <a:pt x="9086" y="2723"/>
+                    <a:pt x="9086" y="3658"/>
+                  </a:cubicBezTo>
+                  <a:cubicBezTo>
+                    <a:pt x="9086" y="4559"/>
+                    <a:pt x="8732" y="5409"/>
+                    <a:pt x="8094" y="6047"/>
+                  </a:cubicBezTo>
+                  <a:cubicBezTo>
+                    <a:pt x="7454" y="6687"/>
+                    <a:pt x="6608" y="7037"/>
+                    <a:pt x="5703" y="7037"/>
+                  </a:cubicBezTo>
+                  <a:cubicBezTo>
+                    <a:pt x="4799" y="7037"/>
+                    <a:pt x="3949" y="6687"/>
+                    <a:pt x="3311" y="6047"/>
+                  </a:cubicBezTo>
+                  <a:cubicBezTo>
+                    <a:pt x="2672" y="5409"/>
+                    <a:pt x="2322" y="4559"/>
+                    <a:pt x="2322" y="3658"/>
+                  </a:cubicBezTo>
+                  <a:cubicBezTo>
+                    <a:pt x="2322" y="2754"/>
+                    <a:pt x="2672" y="1904"/>
+                    <a:pt x="3311" y="1265"/>
+                  </a:cubicBezTo>
+                  <a:cubicBezTo>
+                    <a:pt x="3949" y="626"/>
+                    <a:pt x="4799" y="276"/>
+                    <a:pt x="5703" y="276"/>
+                  </a:cubicBezTo>
+                  <a:close/>
+                  <a:moveTo>
+                    <a:pt x="2051" y="6395"/>
+                  </a:moveTo>
+                  <a:cubicBezTo>
+                    <a:pt x="2086" y="6395"/>
+                    <a:pt x="2121" y="6408"/>
+                    <a:pt x="2148" y="6435"/>
+                  </a:cubicBezTo>
+                  <a:lnTo>
+                    <a:pt x="2923" y="7210"/>
+                  </a:lnTo>
+                  <a:cubicBezTo>
+                    <a:pt x="2978" y="7265"/>
+                    <a:pt x="2978" y="7353"/>
+                    <a:pt x="2923" y="7404"/>
+                  </a:cubicBezTo>
+                  <a:cubicBezTo>
+                    <a:pt x="2898" y="7431"/>
+                    <a:pt x="2863" y="7445"/>
+                    <a:pt x="2828" y="7445"/>
+                  </a:cubicBezTo>
+                  <a:cubicBezTo>
+                    <a:pt x="2792" y="7445"/>
+                    <a:pt x="2757" y="7431"/>
+                    <a:pt x="2730" y="7404"/>
+                  </a:cubicBezTo>
+                  <a:lnTo>
+                    <a:pt x="2342" y="7017"/>
+                  </a:lnTo>
+                  <a:cubicBezTo>
+                    <a:pt x="2315" y="6991"/>
+                    <a:pt x="2280" y="6978"/>
+                    <a:pt x="2245" y="6978"/>
+                  </a:cubicBezTo>
+                  <a:cubicBezTo>
+                    <a:pt x="2210" y="6978"/>
+                    <a:pt x="2175" y="6991"/>
+                    <a:pt x="2148" y="7017"/>
+                  </a:cubicBezTo>
+                  <a:cubicBezTo>
+                    <a:pt x="2093" y="7071"/>
+                    <a:pt x="2093" y="7159"/>
+                    <a:pt x="2148" y="7210"/>
+                  </a:cubicBezTo>
+                  <a:lnTo>
+                    <a:pt x="2440" y="7503"/>
+                  </a:lnTo>
+                  <a:lnTo>
+                    <a:pt x="976" y="8964"/>
+                  </a:lnTo>
+                  <a:cubicBezTo>
+                    <a:pt x="896" y="9044"/>
+                    <a:pt x="790" y="9084"/>
+                    <a:pt x="685" y="9084"/>
+                  </a:cubicBezTo>
+                  <a:cubicBezTo>
+                    <a:pt x="579" y="9084"/>
+                    <a:pt x="474" y="9044"/>
+                    <a:pt x="394" y="8964"/>
+                  </a:cubicBezTo>
+                  <a:cubicBezTo>
+                    <a:pt x="316" y="8886"/>
+                    <a:pt x="275" y="8785"/>
+                    <a:pt x="275" y="8675"/>
+                  </a:cubicBezTo>
+                  <a:cubicBezTo>
+                    <a:pt x="275" y="8563"/>
+                    <a:pt x="316" y="8461"/>
+                    <a:pt x="394" y="8383"/>
+                  </a:cubicBezTo>
+                  <a:lnTo>
+                    <a:pt x="1955" y="6822"/>
+                  </a:lnTo>
+                  <a:cubicBezTo>
+                    <a:pt x="2009" y="6769"/>
+                    <a:pt x="2009" y="6684"/>
+                    <a:pt x="1955" y="6629"/>
+                  </a:cubicBezTo>
+                  <a:cubicBezTo>
+                    <a:pt x="1900" y="6574"/>
+                    <a:pt x="1900" y="6490"/>
+                    <a:pt x="1955" y="6435"/>
+                  </a:cubicBezTo>
+                  <a:cubicBezTo>
+                    <a:pt x="1982" y="6408"/>
+                    <a:pt x="2016" y="6395"/>
+                    <a:pt x="2051" y="6395"/>
+                  </a:cubicBezTo>
+                  <a:close/>
+                  <a:moveTo>
+                    <a:pt x="5703" y="1"/>
+                  </a:moveTo>
+                  <a:cubicBezTo>
+                    <a:pt x="4728" y="1"/>
+                    <a:pt x="3807" y="382"/>
+                    <a:pt x="3117" y="1071"/>
+                  </a:cubicBezTo>
+                  <a:cubicBezTo>
+                    <a:pt x="2427" y="1761"/>
+                    <a:pt x="2046" y="2679"/>
+                    <a:pt x="2046" y="3658"/>
+                  </a:cubicBezTo>
+                  <a:cubicBezTo>
+                    <a:pt x="2046" y="4447"/>
+                    <a:pt x="2297" y="5201"/>
+                    <a:pt x="2760" y="5827"/>
+                  </a:cubicBezTo>
+                  <a:lnTo>
+                    <a:pt x="2342" y="6242"/>
+                  </a:lnTo>
+                  <a:cubicBezTo>
+                    <a:pt x="2262" y="6162"/>
+                    <a:pt x="2157" y="6122"/>
+                    <a:pt x="2051" y="6122"/>
+                  </a:cubicBezTo>
+                  <a:cubicBezTo>
+                    <a:pt x="1946" y="6122"/>
+                    <a:pt x="1840" y="6162"/>
+                    <a:pt x="1761" y="6242"/>
+                  </a:cubicBezTo>
+                  <a:cubicBezTo>
+                    <a:pt x="1635" y="6367"/>
+                    <a:pt x="1608" y="6557"/>
+                    <a:pt x="1679" y="6711"/>
+                  </a:cubicBezTo>
+                  <a:lnTo>
+                    <a:pt x="201" y="8189"/>
+                  </a:lnTo>
+                  <a:cubicBezTo>
+                    <a:pt x="71" y="8319"/>
+                    <a:pt x="0" y="8492"/>
+                    <a:pt x="0" y="8675"/>
+                  </a:cubicBezTo>
+                  <a:cubicBezTo>
+                    <a:pt x="0" y="8859"/>
+                    <a:pt x="71" y="9029"/>
+                    <a:pt x="201" y="9158"/>
+                  </a:cubicBezTo>
+                  <a:cubicBezTo>
+                    <a:pt x="335" y="9292"/>
+                    <a:pt x="511" y="9359"/>
+                    <a:pt x="686" y="9359"/>
+                  </a:cubicBezTo>
+                  <a:cubicBezTo>
+                    <a:pt x="861" y="9359"/>
+                    <a:pt x="1036" y="9292"/>
+                    <a:pt x="1169" y="9158"/>
+                  </a:cubicBezTo>
+                  <a:lnTo>
+                    <a:pt x="2651" y="7679"/>
+                  </a:lnTo>
+                  <a:cubicBezTo>
+                    <a:pt x="2708" y="7706"/>
+                    <a:pt x="2768" y="7719"/>
+                    <a:pt x="2829" y="7719"/>
+                  </a:cubicBezTo>
+                  <a:cubicBezTo>
+                    <a:pt x="2933" y="7719"/>
+                    <a:pt x="3037" y="7679"/>
+                    <a:pt x="3117" y="7598"/>
+                  </a:cubicBezTo>
+                  <a:cubicBezTo>
+                    <a:pt x="3276" y="7438"/>
+                    <a:pt x="3276" y="7177"/>
+                    <a:pt x="3117" y="7017"/>
+                  </a:cubicBezTo>
+                  <a:lnTo>
+                    <a:pt x="3535" y="6602"/>
+                  </a:lnTo>
+                  <a:cubicBezTo>
+                    <a:pt x="4161" y="7064"/>
+                    <a:pt x="4912" y="7312"/>
+                    <a:pt x="5703" y="7312"/>
+                  </a:cubicBezTo>
+                  <a:cubicBezTo>
+                    <a:pt x="6679" y="7312"/>
+                    <a:pt x="7597" y="6932"/>
+                    <a:pt x="8287" y="6242"/>
+                  </a:cubicBezTo>
+                  <a:cubicBezTo>
+                    <a:pt x="8977" y="5551"/>
+                    <a:pt x="9358" y="4634"/>
+                    <a:pt x="9358" y="3658"/>
+                  </a:cubicBezTo>
+                  <a:cubicBezTo>
+                    <a:pt x="9358" y="1639"/>
+                    <a:pt x="7719" y="1"/>
+                    <a:pt x="5703" y="1"/>
+                  </a:cubicBezTo>
+                  <a:close/>
+                </a:path>
+              </a:pathLst>
+            </a:custGeom>
+            <a:solidFill>
+              <a:schemeClr val="dk1"/>
+            </a:solidFill>
+            <a:ln>
+              <a:noFill/>
+            </a:ln>
+          </p:spPr>
+          <p:txBody>
+            <a:bodyPr spcFirstLastPara="1" wrap="square" lIns="91425" tIns="91425" rIns="91425" bIns="91425" anchor="ctr" anchorCtr="0">
+              <a:noAutofit/>
+            </a:bodyPr>
+            <a:lstStyle/>
+            <a:p>
+              <a:pPr marL="0" lvl="0" indent="0" algn="l" rtl="0">
+                <a:spcBef>
+                  <a:spcPts val="0"/>
+                </a:spcBef>
+                <a:spcAft>
+                  <a:spcPts val="0"/>
+                </a:spcAft>
+                <a:buNone/>
+              </a:pPr>
+              <a:endParaRPr/>
+            </a:p>
+          </p:txBody>
+        </p:sp>
+        <p:sp>
+          <p:nvSpPr>
+            <p:cNvPr id="29" name="Google Shape;1704;p58">
+              <a:extLst>
+                <a:ext uri="{FF2B5EF4-FFF2-40B4-BE49-F238E27FC236}">
+                  <a16:creationId xmlns:a16="http://schemas.microsoft.com/office/drawing/2014/main" id="{0A38654F-1462-47E2-A7A0-7FAC30140593}"/>
+                </a:ext>
+              </a:extLst>
+            </p:cNvPr>
+            <p:cNvSpPr/>
+            <p:nvPr/>
+          </p:nvSpPr>
+          <p:spPr>
+            <a:xfrm>
+              <a:off x="1321634" y="110187"/>
+              <a:ext cx="223274" cy="223382"/>
+            </a:xfrm>
+            <a:custGeom>
+              <a:avLst/>
+              <a:gdLst/>
+              <a:ahLst/>
+              <a:cxnLst/>
+              <a:rect l="l" t="t" r="r" b="b"/>
+              <a:pathLst>
+                <a:path w="6215" h="6218" extrusionOk="0">
+                  <a:moveTo>
+                    <a:pt x="3107" y="0"/>
+                  </a:moveTo>
+                  <a:cubicBezTo>
+                    <a:pt x="2101" y="0"/>
+                    <a:pt x="1153" y="493"/>
+                    <a:pt x="572" y="1312"/>
+                  </a:cubicBezTo>
+                  <a:cubicBezTo>
+                    <a:pt x="528" y="1373"/>
+                    <a:pt x="542" y="1461"/>
+                    <a:pt x="603" y="1502"/>
+                  </a:cubicBezTo>
+                  <a:cubicBezTo>
+                    <a:pt x="627" y="1520"/>
+                    <a:pt x="656" y="1528"/>
+                    <a:pt x="684" y="1528"/>
+                  </a:cubicBezTo>
+                  <a:cubicBezTo>
+                    <a:pt x="726" y="1528"/>
+                    <a:pt x="768" y="1509"/>
+                    <a:pt x="793" y="1472"/>
+                  </a:cubicBezTo>
+                  <a:cubicBezTo>
+                    <a:pt x="1326" y="724"/>
+                    <a:pt x="2190" y="275"/>
+                    <a:pt x="3107" y="275"/>
+                  </a:cubicBezTo>
+                  <a:cubicBezTo>
+                    <a:pt x="3862" y="275"/>
+                    <a:pt x="4576" y="571"/>
+                    <a:pt x="5110" y="1105"/>
+                  </a:cubicBezTo>
+                  <a:cubicBezTo>
+                    <a:pt x="5647" y="1642"/>
+                    <a:pt x="5939" y="2352"/>
+                    <a:pt x="5939" y="3110"/>
+                  </a:cubicBezTo>
+                  <a:cubicBezTo>
+                    <a:pt x="5939" y="3865"/>
+                    <a:pt x="5647" y="4575"/>
+                    <a:pt x="5110" y="5112"/>
+                  </a:cubicBezTo>
+                  <a:cubicBezTo>
+                    <a:pt x="4576" y="5646"/>
+                    <a:pt x="3862" y="5942"/>
+                    <a:pt x="3107" y="5942"/>
+                  </a:cubicBezTo>
+                  <a:cubicBezTo>
+                    <a:pt x="1544" y="5942"/>
+                    <a:pt x="272" y="4671"/>
+                    <a:pt x="272" y="3110"/>
+                  </a:cubicBezTo>
+                  <a:cubicBezTo>
+                    <a:pt x="272" y="2696"/>
+                    <a:pt x="361" y="2297"/>
+                    <a:pt x="531" y="1924"/>
+                  </a:cubicBezTo>
+                  <a:cubicBezTo>
+                    <a:pt x="565" y="1856"/>
+                    <a:pt x="534" y="1775"/>
+                    <a:pt x="467" y="1744"/>
+                  </a:cubicBezTo>
+                  <a:cubicBezTo>
+                    <a:pt x="447" y="1734"/>
+                    <a:pt x="426" y="1730"/>
+                    <a:pt x="406" y="1730"/>
+                  </a:cubicBezTo>
+                  <a:cubicBezTo>
+                    <a:pt x="353" y="1730"/>
+                    <a:pt x="305" y="1759"/>
+                    <a:pt x="283" y="1808"/>
+                  </a:cubicBezTo>
+                  <a:cubicBezTo>
+                    <a:pt x="96" y="2220"/>
+                    <a:pt x="1" y="2655"/>
+                    <a:pt x="1" y="3110"/>
+                  </a:cubicBezTo>
+                  <a:cubicBezTo>
+                    <a:pt x="1" y="3967"/>
+                    <a:pt x="347" y="4742"/>
+                    <a:pt x="912" y="5306"/>
+                  </a:cubicBezTo>
+                  <a:cubicBezTo>
+                    <a:pt x="1472" y="5867"/>
+                    <a:pt x="2251" y="6217"/>
+                    <a:pt x="3107" y="6217"/>
+                  </a:cubicBezTo>
+                  <a:cubicBezTo>
+                    <a:pt x="3937" y="6217"/>
+                    <a:pt x="4718" y="5894"/>
+                    <a:pt x="5303" y="5306"/>
+                  </a:cubicBezTo>
+                  <a:cubicBezTo>
+                    <a:pt x="5892" y="4718"/>
+                    <a:pt x="6215" y="3940"/>
+                    <a:pt x="6215" y="3110"/>
+                  </a:cubicBezTo>
+                  <a:cubicBezTo>
+                    <a:pt x="6215" y="2277"/>
+                    <a:pt x="5892" y="1499"/>
+                    <a:pt x="5303" y="911"/>
+                  </a:cubicBezTo>
+                  <a:cubicBezTo>
+                    <a:pt x="4718" y="323"/>
+                    <a:pt x="3937" y="0"/>
+                    <a:pt x="3107" y="0"/>
+                  </a:cubicBezTo>
+                  <a:close/>
+                </a:path>
+              </a:pathLst>
+            </a:custGeom>
+            <a:solidFill>
+              <a:schemeClr val="dk1"/>
+            </a:solidFill>
+            <a:ln>
+              <a:noFill/>
+            </a:ln>
+          </p:spPr>
+          <p:txBody>
+            <a:bodyPr spcFirstLastPara="1" wrap="square" lIns="91425" tIns="91425" rIns="91425" bIns="91425" anchor="ctr" anchorCtr="0">
+              <a:noAutofit/>
+            </a:bodyPr>
+            <a:lstStyle/>
+            <a:p>
+              <a:pPr marL="0" lvl="0" indent="0" algn="l" rtl="0">
+                <a:spcBef>
+                  <a:spcPts val="0"/>
+                </a:spcBef>
+                <a:spcAft>
+                  <a:spcPts val="0"/>
+                </a:spcAft>
+                <a:buNone/>
+              </a:pPr>
+              <a:endParaRPr/>
+            </a:p>
+          </p:txBody>
+        </p:sp>
+        <p:sp>
+          <p:nvSpPr>
+            <p:cNvPr id="30" name="Google Shape;1705;p58">
+              <a:extLst>
+                <a:ext uri="{FF2B5EF4-FFF2-40B4-BE49-F238E27FC236}">
+                  <a16:creationId xmlns:a16="http://schemas.microsoft.com/office/drawing/2014/main" id="{DF961C95-5157-4822-A87C-AF3D35760FD1}"/>
+                </a:ext>
+              </a:extLst>
+            </p:cNvPr>
+            <p:cNvSpPr/>
+            <p:nvPr/>
+          </p:nvSpPr>
+          <p:spPr>
+            <a:xfrm>
+              <a:off x="1403689" y="192350"/>
+              <a:ext cx="59168" cy="59168"/>
+            </a:xfrm>
+            <a:custGeom>
+              <a:avLst/>
+              <a:gdLst/>
+              <a:ahLst/>
+              <a:cxnLst/>
+              <a:rect l="l" t="t" r="r" b="b"/>
+              <a:pathLst>
+                <a:path w="1647" h="1647" extrusionOk="0">
+                  <a:moveTo>
+                    <a:pt x="823" y="272"/>
+                  </a:moveTo>
+                  <a:cubicBezTo>
+                    <a:pt x="973" y="272"/>
+                    <a:pt x="1113" y="334"/>
+                    <a:pt x="1211" y="432"/>
+                  </a:cubicBezTo>
+                  <a:cubicBezTo>
+                    <a:pt x="1309" y="534"/>
+                    <a:pt x="1371" y="670"/>
+                    <a:pt x="1371" y="823"/>
+                  </a:cubicBezTo>
+                  <a:cubicBezTo>
+                    <a:pt x="1371" y="1122"/>
+                    <a:pt x="1126" y="1370"/>
+                    <a:pt x="823" y="1370"/>
+                  </a:cubicBezTo>
+                  <a:cubicBezTo>
+                    <a:pt x="677" y="1370"/>
+                    <a:pt x="538" y="1312"/>
+                    <a:pt x="436" y="1210"/>
+                  </a:cubicBezTo>
+                  <a:cubicBezTo>
+                    <a:pt x="331" y="1105"/>
+                    <a:pt x="273" y="969"/>
+                    <a:pt x="273" y="823"/>
+                  </a:cubicBezTo>
+                  <a:cubicBezTo>
+                    <a:pt x="273" y="520"/>
+                    <a:pt x="521" y="272"/>
+                    <a:pt x="823" y="272"/>
+                  </a:cubicBezTo>
+                  <a:close/>
+                  <a:moveTo>
+                    <a:pt x="823" y="1"/>
+                  </a:moveTo>
+                  <a:cubicBezTo>
+                    <a:pt x="368" y="1"/>
+                    <a:pt x="1" y="368"/>
+                    <a:pt x="1" y="823"/>
+                  </a:cubicBezTo>
+                  <a:cubicBezTo>
+                    <a:pt x="1" y="1041"/>
+                    <a:pt x="86" y="1248"/>
+                    <a:pt x="242" y="1405"/>
+                  </a:cubicBezTo>
+                  <a:cubicBezTo>
+                    <a:pt x="395" y="1557"/>
+                    <a:pt x="603" y="1646"/>
+                    <a:pt x="823" y="1646"/>
+                  </a:cubicBezTo>
+                  <a:cubicBezTo>
+                    <a:pt x="1276" y="1646"/>
+                    <a:pt x="1646" y="1275"/>
+                    <a:pt x="1646" y="823"/>
+                  </a:cubicBezTo>
+                  <a:cubicBezTo>
+                    <a:pt x="1646" y="368"/>
+                    <a:pt x="1276" y="1"/>
+                    <a:pt x="823" y="1"/>
+                  </a:cubicBezTo>
+                  <a:close/>
+                </a:path>
+              </a:pathLst>
+            </a:custGeom>
+            <a:solidFill>
+              <a:schemeClr val="dk1"/>
+            </a:solidFill>
+            <a:ln>
+              <a:noFill/>
+            </a:ln>
+          </p:spPr>
+          <p:txBody>
+            <a:bodyPr spcFirstLastPara="1" wrap="square" lIns="91425" tIns="91425" rIns="91425" bIns="91425" anchor="ctr" anchorCtr="0">
+              <a:noAutofit/>
+            </a:bodyPr>
+            <a:lstStyle/>
+            <a:p>
+              <a:pPr marL="0" lvl="0" indent="0" algn="l" rtl="0">
+                <a:spcBef>
+                  <a:spcPts val="0"/>
+                </a:spcBef>
+                <a:spcAft>
+                  <a:spcPts val="0"/>
+                </a:spcAft>
+                <a:buNone/>
+              </a:pPr>
+              <a:endParaRPr/>
+            </a:p>
+          </p:txBody>
+        </p:sp>
+        <p:sp>
+          <p:nvSpPr>
+            <p:cNvPr id="31" name="Google Shape;1706;p58">
+              <a:extLst>
+                <a:ext uri="{FF2B5EF4-FFF2-40B4-BE49-F238E27FC236}">
+                  <a16:creationId xmlns:a16="http://schemas.microsoft.com/office/drawing/2014/main" id="{F3301F1B-452E-46C6-94CF-2E7851059737}"/>
+                </a:ext>
+              </a:extLst>
+            </p:cNvPr>
+            <p:cNvSpPr/>
+            <p:nvPr/>
+          </p:nvSpPr>
+          <p:spPr>
+            <a:xfrm>
+              <a:off x="1344339" y="129947"/>
+              <a:ext cx="177002" cy="183828"/>
+            </a:xfrm>
+            <a:custGeom>
+              <a:avLst/>
+              <a:gdLst/>
+              <a:ahLst/>
+              <a:cxnLst/>
+              <a:rect l="l" t="t" r="r" b="b"/>
+              <a:pathLst>
+                <a:path w="4927" h="5117" extrusionOk="0">
+                  <a:moveTo>
+                    <a:pt x="2659" y="269"/>
+                  </a:moveTo>
+                  <a:cubicBezTo>
+                    <a:pt x="2748" y="272"/>
+                    <a:pt x="2819" y="344"/>
+                    <a:pt x="2819" y="432"/>
+                  </a:cubicBezTo>
+                  <a:cubicBezTo>
+                    <a:pt x="2819" y="456"/>
+                    <a:pt x="2812" y="480"/>
+                    <a:pt x="2802" y="503"/>
+                  </a:cubicBezTo>
+                  <a:lnTo>
+                    <a:pt x="2625" y="850"/>
+                  </a:lnTo>
+                  <a:cubicBezTo>
+                    <a:pt x="2618" y="870"/>
+                    <a:pt x="2612" y="891"/>
+                    <a:pt x="2612" y="915"/>
+                  </a:cubicBezTo>
+                  <a:lnTo>
+                    <a:pt x="2612" y="1357"/>
+                  </a:lnTo>
+                  <a:cubicBezTo>
+                    <a:pt x="2612" y="1418"/>
+                    <a:pt x="2656" y="1476"/>
+                    <a:pt x="2720" y="1490"/>
+                  </a:cubicBezTo>
+                  <a:cubicBezTo>
+                    <a:pt x="2935" y="1537"/>
+                    <a:pt x="3128" y="1650"/>
+                    <a:pt x="3278" y="1813"/>
+                  </a:cubicBezTo>
+                  <a:cubicBezTo>
+                    <a:pt x="3305" y="1842"/>
+                    <a:pt x="3343" y="1857"/>
+                    <a:pt x="3380" y="1857"/>
+                  </a:cubicBezTo>
+                  <a:cubicBezTo>
+                    <a:pt x="3404" y="1857"/>
+                    <a:pt x="3427" y="1851"/>
+                    <a:pt x="3448" y="1840"/>
+                  </a:cubicBezTo>
+                  <a:lnTo>
+                    <a:pt x="3832" y="1619"/>
+                  </a:lnTo>
+                  <a:cubicBezTo>
+                    <a:pt x="3849" y="1605"/>
+                    <a:pt x="3866" y="1592"/>
+                    <a:pt x="3876" y="1574"/>
+                  </a:cubicBezTo>
+                  <a:lnTo>
+                    <a:pt x="4091" y="1248"/>
+                  </a:lnTo>
+                  <a:cubicBezTo>
+                    <a:pt x="4104" y="1228"/>
+                    <a:pt x="4124" y="1211"/>
+                    <a:pt x="4144" y="1197"/>
+                  </a:cubicBezTo>
+                  <a:cubicBezTo>
+                    <a:pt x="4168" y="1184"/>
+                    <a:pt x="4193" y="1178"/>
+                    <a:pt x="4220" y="1178"/>
+                  </a:cubicBezTo>
+                  <a:cubicBezTo>
+                    <a:pt x="4235" y="1178"/>
+                    <a:pt x="4251" y="1180"/>
+                    <a:pt x="4267" y="1184"/>
+                  </a:cubicBezTo>
+                  <a:cubicBezTo>
+                    <a:pt x="4308" y="1194"/>
+                    <a:pt x="4342" y="1221"/>
+                    <a:pt x="4362" y="1258"/>
+                  </a:cubicBezTo>
+                  <a:lnTo>
+                    <a:pt x="4546" y="1574"/>
+                  </a:lnTo>
+                  <a:cubicBezTo>
+                    <a:pt x="4566" y="1612"/>
+                    <a:pt x="4573" y="1656"/>
+                    <a:pt x="4563" y="1697"/>
+                  </a:cubicBezTo>
+                  <a:cubicBezTo>
+                    <a:pt x="4549" y="1738"/>
+                    <a:pt x="4525" y="1772"/>
+                    <a:pt x="4488" y="1792"/>
+                  </a:cubicBezTo>
+                  <a:cubicBezTo>
+                    <a:pt x="4467" y="1805"/>
+                    <a:pt x="4444" y="1813"/>
+                    <a:pt x="4417" y="1813"/>
+                  </a:cubicBezTo>
+                  <a:lnTo>
+                    <a:pt x="4029" y="1836"/>
+                  </a:lnTo>
+                  <a:cubicBezTo>
+                    <a:pt x="4009" y="1836"/>
+                    <a:pt x="3989" y="1843"/>
+                    <a:pt x="3968" y="1854"/>
+                  </a:cubicBezTo>
+                  <a:lnTo>
+                    <a:pt x="3587" y="2074"/>
+                  </a:lnTo>
+                  <a:cubicBezTo>
+                    <a:pt x="3529" y="2108"/>
+                    <a:pt x="3506" y="2172"/>
+                    <a:pt x="3523" y="2234"/>
+                  </a:cubicBezTo>
+                  <a:cubicBezTo>
+                    <a:pt x="3556" y="2339"/>
+                    <a:pt x="3570" y="2448"/>
+                    <a:pt x="3570" y="2560"/>
+                  </a:cubicBezTo>
+                  <a:cubicBezTo>
+                    <a:pt x="3570" y="2669"/>
+                    <a:pt x="3556" y="2778"/>
+                    <a:pt x="3523" y="2883"/>
+                  </a:cubicBezTo>
+                  <a:cubicBezTo>
+                    <a:pt x="3506" y="2944"/>
+                    <a:pt x="3529" y="3009"/>
+                    <a:pt x="3587" y="3043"/>
+                  </a:cubicBezTo>
+                  <a:lnTo>
+                    <a:pt x="3968" y="3264"/>
+                  </a:lnTo>
+                  <a:cubicBezTo>
+                    <a:pt x="3989" y="3274"/>
+                    <a:pt x="4009" y="3281"/>
+                    <a:pt x="4029" y="3281"/>
+                  </a:cubicBezTo>
+                  <a:lnTo>
+                    <a:pt x="4417" y="3305"/>
+                  </a:lnTo>
+                  <a:cubicBezTo>
+                    <a:pt x="4444" y="3305"/>
+                    <a:pt x="4467" y="3311"/>
+                    <a:pt x="4488" y="3325"/>
+                  </a:cubicBezTo>
+                  <a:cubicBezTo>
+                    <a:pt x="4563" y="3369"/>
+                    <a:pt x="4590" y="3465"/>
+                    <a:pt x="4546" y="3542"/>
+                  </a:cubicBezTo>
+                  <a:lnTo>
+                    <a:pt x="4362" y="3859"/>
+                  </a:lnTo>
+                  <a:cubicBezTo>
+                    <a:pt x="4342" y="3896"/>
+                    <a:pt x="4308" y="3923"/>
+                    <a:pt x="4267" y="3934"/>
+                  </a:cubicBezTo>
+                  <a:cubicBezTo>
+                    <a:pt x="4251" y="3937"/>
+                    <a:pt x="4236" y="3939"/>
+                    <a:pt x="4221" y="3939"/>
+                  </a:cubicBezTo>
+                  <a:cubicBezTo>
+                    <a:pt x="4194" y="3939"/>
+                    <a:pt x="4169" y="3933"/>
+                    <a:pt x="4144" y="3920"/>
+                  </a:cubicBezTo>
+                  <a:cubicBezTo>
+                    <a:pt x="4124" y="3906"/>
+                    <a:pt x="4104" y="3889"/>
+                    <a:pt x="4091" y="3869"/>
+                  </a:cubicBezTo>
+                  <a:lnTo>
+                    <a:pt x="3876" y="3542"/>
+                  </a:lnTo>
+                  <a:cubicBezTo>
+                    <a:pt x="3866" y="3526"/>
+                    <a:pt x="3849" y="3512"/>
+                    <a:pt x="3832" y="3498"/>
+                  </a:cubicBezTo>
+                  <a:lnTo>
+                    <a:pt x="3448" y="3277"/>
+                  </a:lnTo>
+                  <a:cubicBezTo>
+                    <a:pt x="3427" y="3266"/>
+                    <a:pt x="3404" y="3260"/>
+                    <a:pt x="3381" y="3260"/>
+                  </a:cubicBezTo>
+                  <a:cubicBezTo>
+                    <a:pt x="3343" y="3260"/>
+                    <a:pt x="3305" y="3275"/>
+                    <a:pt x="3278" y="3305"/>
+                  </a:cubicBezTo>
+                  <a:cubicBezTo>
+                    <a:pt x="3128" y="3468"/>
+                    <a:pt x="2935" y="3580"/>
+                    <a:pt x="2720" y="3628"/>
+                  </a:cubicBezTo>
+                  <a:cubicBezTo>
+                    <a:pt x="2656" y="3641"/>
+                    <a:pt x="2612" y="3699"/>
+                    <a:pt x="2612" y="3760"/>
+                  </a:cubicBezTo>
+                  <a:lnTo>
+                    <a:pt x="2612" y="4202"/>
+                  </a:lnTo>
+                  <a:cubicBezTo>
+                    <a:pt x="2612" y="4226"/>
+                    <a:pt x="2618" y="4246"/>
+                    <a:pt x="2625" y="4267"/>
+                  </a:cubicBezTo>
+                  <a:lnTo>
+                    <a:pt x="2802" y="4613"/>
+                  </a:lnTo>
+                  <a:cubicBezTo>
+                    <a:pt x="2812" y="4637"/>
+                    <a:pt x="2819" y="4661"/>
+                    <a:pt x="2819" y="4684"/>
+                  </a:cubicBezTo>
+                  <a:cubicBezTo>
+                    <a:pt x="2819" y="4729"/>
+                    <a:pt x="2802" y="4766"/>
+                    <a:pt x="2771" y="4797"/>
+                  </a:cubicBezTo>
+                  <a:cubicBezTo>
+                    <a:pt x="2740" y="4827"/>
+                    <a:pt x="2700" y="4844"/>
+                    <a:pt x="2659" y="4852"/>
+                  </a:cubicBezTo>
+                  <a:lnTo>
+                    <a:pt x="2292" y="4852"/>
+                  </a:lnTo>
+                  <a:cubicBezTo>
+                    <a:pt x="2204" y="4844"/>
+                    <a:pt x="2133" y="4773"/>
+                    <a:pt x="2133" y="4684"/>
+                  </a:cubicBezTo>
+                  <a:cubicBezTo>
+                    <a:pt x="2133" y="4661"/>
+                    <a:pt x="2139" y="4637"/>
+                    <a:pt x="2149" y="4613"/>
+                  </a:cubicBezTo>
+                  <a:lnTo>
+                    <a:pt x="2323" y="4267"/>
+                  </a:lnTo>
+                  <a:cubicBezTo>
+                    <a:pt x="2333" y="4246"/>
+                    <a:pt x="2337" y="4226"/>
+                    <a:pt x="2343" y="4202"/>
+                  </a:cubicBezTo>
+                  <a:lnTo>
+                    <a:pt x="2343" y="3760"/>
+                  </a:lnTo>
+                  <a:cubicBezTo>
+                    <a:pt x="2337" y="3699"/>
+                    <a:pt x="2292" y="3641"/>
+                    <a:pt x="2231" y="3628"/>
+                  </a:cubicBezTo>
+                  <a:cubicBezTo>
+                    <a:pt x="2017" y="3580"/>
+                    <a:pt x="1823" y="3468"/>
+                    <a:pt x="1670" y="3305"/>
+                  </a:cubicBezTo>
+                  <a:cubicBezTo>
+                    <a:pt x="1645" y="3275"/>
+                    <a:pt x="1608" y="3260"/>
+                    <a:pt x="1570" y="3260"/>
+                  </a:cubicBezTo>
+                  <a:cubicBezTo>
+                    <a:pt x="1547" y="3260"/>
+                    <a:pt x="1524" y="3266"/>
+                    <a:pt x="1504" y="3277"/>
+                  </a:cubicBezTo>
+                  <a:lnTo>
+                    <a:pt x="1119" y="3498"/>
+                  </a:lnTo>
+                  <a:cubicBezTo>
+                    <a:pt x="1099" y="3512"/>
+                    <a:pt x="1085" y="3526"/>
+                    <a:pt x="1072" y="3542"/>
+                  </a:cubicBezTo>
+                  <a:lnTo>
+                    <a:pt x="858" y="3869"/>
+                  </a:lnTo>
+                  <a:cubicBezTo>
+                    <a:pt x="844" y="3889"/>
+                    <a:pt x="827" y="3906"/>
+                    <a:pt x="807" y="3920"/>
+                  </a:cubicBezTo>
+                  <a:cubicBezTo>
+                    <a:pt x="781" y="3933"/>
+                    <a:pt x="754" y="3940"/>
+                    <a:pt x="727" y="3940"/>
+                  </a:cubicBezTo>
+                  <a:cubicBezTo>
+                    <a:pt x="672" y="3940"/>
+                    <a:pt x="619" y="3913"/>
+                    <a:pt x="589" y="3862"/>
+                  </a:cubicBezTo>
+                  <a:lnTo>
+                    <a:pt x="406" y="3542"/>
+                  </a:lnTo>
+                  <a:cubicBezTo>
+                    <a:pt x="362" y="3465"/>
+                    <a:pt x="385" y="3369"/>
+                    <a:pt x="464" y="3325"/>
+                  </a:cubicBezTo>
+                  <a:cubicBezTo>
+                    <a:pt x="484" y="3311"/>
+                    <a:pt x="508" y="3305"/>
+                    <a:pt x="531" y="3305"/>
+                  </a:cubicBezTo>
+                  <a:lnTo>
+                    <a:pt x="922" y="3281"/>
+                  </a:lnTo>
+                  <a:cubicBezTo>
+                    <a:pt x="942" y="3281"/>
+                    <a:pt x="963" y="3274"/>
+                    <a:pt x="980" y="3264"/>
+                  </a:cubicBezTo>
+                  <a:lnTo>
+                    <a:pt x="1364" y="3043"/>
+                  </a:lnTo>
+                  <a:cubicBezTo>
+                    <a:pt x="1419" y="3009"/>
+                    <a:pt x="1446" y="2944"/>
+                    <a:pt x="1425" y="2883"/>
+                  </a:cubicBezTo>
+                  <a:cubicBezTo>
+                    <a:pt x="1394" y="2778"/>
+                    <a:pt x="1378" y="2669"/>
+                    <a:pt x="1378" y="2560"/>
+                  </a:cubicBezTo>
+                  <a:cubicBezTo>
+                    <a:pt x="1378" y="2448"/>
+                    <a:pt x="1394" y="2339"/>
+                    <a:pt x="1425" y="2234"/>
+                  </a:cubicBezTo>
+                  <a:cubicBezTo>
+                    <a:pt x="1442" y="2186"/>
+                    <a:pt x="1429" y="2132"/>
+                    <a:pt x="1391" y="2098"/>
+                  </a:cubicBezTo>
+                  <a:cubicBezTo>
+                    <a:pt x="1385" y="2088"/>
+                    <a:pt x="1374" y="2081"/>
+                    <a:pt x="1364" y="2074"/>
+                  </a:cubicBezTo>
+                  <a:lnTo>
+                    <a:pt x="980" y="1854"/>
+                  </a:lnTo>
+                  <a:cubicBezTo>
+                    <a:pt x="963" y="1843"/>
+                    <a:pt x="942" y="1836"/>
+                    <a:pt x="922" y="1836"/>
+                  </a:cubicBezTo>
+                  <a:lnTo>
+                    <a:pt x="531" y="1813"/>
+                  </a:lnTo>
+                  <a:cubicBezTo>
+                    <a:pt x="508" y="1813"/>
+                    <a:pt x="484" y="1805"/>
+                    <a:pt x="464" y="1792"/>
+                  </a:cubicBezTo>
+                  <a:cubicBezTo>
+                    <a:pt x="385" y="1747"/>
+                    <a:pt x="362" y="1653"/>
+                    <a:pt x="406" y="1574"/>
+                  </a:cubicBezTo>
+                  <a:lnTo>
+                    <a:pt x="589" y="1258"/>
+                  </a:lnTo>
+                  <a:cubicBezTo>
+                    <a:pt x="610" y="1221"/>
+                    <a:pt x="644" y="1194"/>
+                    <a:pt x="685" y="1184"/>
+                  </a:cubicBezTo>
+                  <a:cubicBezTo>
+                    <a:pt x="700" y="1180"/>
+                    <a:pt x="715" y="1178"/>
+                    <a:pt x="730" y="1178"/>
+                  </a:cubicBezTo>
+                  <a:cubicBezTo>
+                    <a:pt x="757" y="1178"/>
+                    <a:pt x="783" y="1184"/>
+                    <a:pt x="807" y="1197"/>
+                  </a:cubicBezTo>
+                  <a:cubicBezTo>
+                    <a:pt x="827" y="1211"/>
+                    <a:pt x="844" y="1228"/>
+                    <a:pt x="858" y="1248"/>
+                  </a:cubicBezTo>
+                  <a:lnTo>
+                    <a:pt x="1072" y="1574"/>
+                  </a:lnTo>
+                  <a:cubicBezTo>
+                    <a:pt x="1085" y="1592"/>
+                    <a:pt x="1099" y="1605"/>
+                    <a:pt x="1119" y="1619"/>
+                  </a:cubicBezTo>
+                  <a:lnTo>
+                    <a:pt x="1504" y="1840"/>
+                  </a:lnTo>
+                  <a:cubicBezTo>
+                    <a:pt x="1524" y="1851"/>
+                    <a:pt x="1547" y="1857"/>
+                    <a:pt x="1570" y="1857"/>
+                  </a:cubicBezTo>
+                  <a:cubicBezTo>
+                    <a:pt x="1606" y="1857"/>
+                    <a:pt x="1643" y="1842"/>
+                    <a:pt x="1670" y="1813"/>
+                  </a:cubicBezTo>
+                  <a:cubicBezTo>
+                    <a:pt x="1823" y="1650"/>
+                    <a:pt x="2017" y="1537"/>
+                    <a:pt x="2231" y="1490"/>
+                  </a:cubicBezTo>
+                  <a:cubicBezTo>
+                    <a:pt x="2292" y="1476"/>
+                    <a:pt x="2337" y="1418"/>
+                    <a:pt x="2343" y="1357"/>
+                  </a:cubicBezTo>
+                  <a:lnTo>
+                    <a:pt x="2343" y="915"/>
+                  </a:lnTo>
+                  <a:cubicBezTo>
+                    <a:pt x="2337" y="891"/>
+                    <a:pt x="2333" y="870"/>
+                    <a:pt x="2323" y="850"/>
+                  </a:cubicBezTo>
+                  <a:lnTo>
+                    <a:pt x="2149" y="503"/>
+                  </a:lnTo>
+                  <a:cubicBezTo>
+                    <a:pt x="2139" y="480"/>
+                    <a:pt x="2133" y="456"/>
+                    <a:pt x="2133" y="432"/>
+                  </a:cubicBezTo>
+                  <a:cubicBezTo>
+                    <a:pt x="2133" y="344"/>
+                    <a:pt x="2204" y="272"/>
+                    <a:pt x="2292" y="269"/>
+                  </a:cubicBezTo>
+                  <a:close/>
+                  <a:moveTo>
+                    <a:pt x="2279" y="1"/>
+                  </a:moveTo>
+                  <a:cubicBezTo>
+                    <a:pt x="2010" y="1"/>
+                    <a:pt x="1796" y="242"/>
+                    <a:pt x="1850" y="520"/>
+                  </a:cubicBezTo>
+                  <a:cubicBezTo>
+                    <a:pt x="1857" y="558"/>
+                    <a:pt x="1874" y="596"/>
+                    <a:pt x="1891" y="630"/>
+                  </a:cubicBezTo>
+                  <a:lnTo>
+                    <a:pt x="2051" y="946"/>
+                  </a:lnTo>
+                  <a:lnTo>
+                    <a:pt x="2051" y="1251"/>
+                  </a:lnTo>
+                  <a:cubicBezTo>
+                    <a:pt x="1857" y="1309"/>
+                    <a:pt x="1680" y="1411"/>
+                    <a:pt x="1531" y="1548"/>
+                  </a:cubicBezTo>
+                  <a:lnTo>
+                    <a:pt x="1265" y="1397"/>
+                  </a:lnTo>
+                  <a:lnTo>
+                    <a:pt x="1065" y="1099"/>
+                  </a:lnTo>
+                  <a:cubicBezTo>
+                    <a:pt x="1027" y="1041"/>
+                    <a:pt x="977" y="993"/>
+                    <a:pt x="919" y="963"/>
+                  </a:cubicBezTo>
+                  <a:cubicBezTo>
+                    <a:pt x="853" y="924"/>
+                    <a:pt x="777" y="903"/>
+                    <a:pt x="701" y="903"/>
+                  </a:cubicBezTo>
+                  <a:cubicBezTo>
+                    <a:pt x="664" y="903"/>
+                    <a:pt x="626" y="908"/>
+                    <a:pt x="589" y="919"/>
+                  </a:cubicBezTo>
+                  <a:cubicBezTo>
+                    <a:pt x="477" y="949"/>
+                    <a:pt x="382" y="1021"/>
+                    <a:pt x="324" y="1119"/>
+                  </a:cubicBezTo>
+                  <a:lnTo>
+                    <a:pt x="137" y="1438"/>
+                  </a:lnTo>
+                  <a:cubicBezTo>
+                    <a:pt x="18" y="1645"/>
+                    <a:pt x="89" y="1911"/>
+                    <a:pt x="297" y="2030"/>
+                  </a:cubicBezTo>
+                  <a:cubicBezTo>
+                    <a:pt x="358" y="2064"/>
+                    <a:pt x="423" y="2084"/>
+                    <a:pt x="490" y="2088"/>
+                  </a:cubicBezTo>
+                  <a:lnTo>
+                    <a:pt x="851" y="2108"/>
+                  </a:lnTo>
+                  <a:lnTo>
+                    <a:pt x="1116" y="2261"/>
+                  </a:lnTo>
+                  <a:cubicBezTo>
+                    <a:pt x="1092" y="2359"/>
+                    <a:pt x="1082" y="2458"/>
+                    <a:pt x="1082" y="2560"/>
+                  </a:cubicBezTo>
+                  <a:cubicBezTo>
+                    <a:pt x="1082" y="2659"/>
+                    <a:pt x="1092" y="2757"/>
+                    <a:pt x="1116" y="2856"/>
+                  </a:cubicBezTo>
+                  <a:lnTo>
+                    <a:pt x="851" y="3009"/>
+                  </a:lnTo>
+                  <a:lnTo>
+                    <a:pt x="490" y="3029"/>
+                  </a:lnTo>
+                  <a:cubicBezTo>
+                    <a:pt x="460" y="3032"/>
+                    <a:pt x="429" y="3036"/>
+                    <a:pt x="402" y="3043"/>
+                  </a:cubicBezTo>
+                  <a:cubicBezTo>
+                    <a:pt x="117" y="3125"/>
+                    <a:pt x="1" y="3440"/>
+                    <a:pt x="137" y="3678"/>
+                  </a:cubicBezTo>
+                  <a:lnTo>
+                    <a:pt x="324" y="3998"/>
+                  </a:lnTo>
+                  <a:cubicBezTo>
+                    <a:pt x="344" y="4032"/>
+                    <a:pt x="368" y="4063"/>
+                    <a:pt x="392" y="4086"/>
+                  </a:cubicBezTo>
+                  <a:cubicBezTo>
+                    <a:pt x="474" y="4169"/>
+                    <a:pt x="586" y="4214"/>
+                    <a:pt x="700" y="4214"/>
+                  </a:cubicBezTo>
+                  <a:cubicBezTo>
+                    <a:pt x="775" y="4214"/>
+                    <a:pt x="850" y="4194"/>
+                    <a:pt x="919" y="4154"/>
+                  </a:cubicBezTo>
+                  <a:cubicBezTo>
+                    <a:pt x="977" y="4124"/>
+                    <a:pt x="1027" y="4077"/>
+                    <a:pt x="1065" y="4019"/>
+                  </a:cubicBezTo>
+                  <a:lnTo>
+                    <a:pt x="1265" y="3723"/>
+                  </a:lnTo>
+                  <a:lnTo>
+                    <a:pt x="1531" y="3570"/>
+                  </a:lnTo>
+                  <a:cubicBezTo>
+                    <a:pt x="1680" y="3705"/>
+                    <a:pt x="1857" y="3807"/>
+                    <a:pt x="2051" y="3865"/>
+                  </a:cubicBezTo>
+                  <a:lnTo>
+                    <a:pt x="2051" y="4171"/>
+                  </a:lnTo>
+                  <a:lnTo>
+                    <a:pt x="1891" y="4488"/>
+                  </a:lnTo>
+                  <a:cubicBezTo>
+                    <a:pt x="1874" y="4521"/>
+                    <a:pt x="1857" y="4559"/>
+                    <a:pt x="1850" y="4596"/>
+                  </a:cubicBezTo>
+                  <a:cubicBezTo>
+                    <a:pt x="1796" y="4875"/>
+                    <a:pt x="2010" y="5117"/>
+                    <a:pt x="2279" y="5117"/>
+                  </a:cubicBezTo>
+                  <a:lnTo>
+                    <a:pt x="2646" y="5117"/>
+                  </a:lnTo>
+                  <a:cubicBezTo>
+                    <a:pt x="2731" y="5117"/>
+                    <a:pt x="2819" y="5096"/>
+                    <a:pt x="2891" y="5045"/>
+                  </a:cubicBezTo>
+                  <a:cubicBezTo>
+                    <a:pt x="3043" y="4943"/>
+                    <a:pt x="3115" y="4763"/>
+                    <a:pt x="3074" y="4579"/>
+                  </a:cubicBezTo>
+                  <a:cubicBezTo>
+                    <a:pt x="3067" y="4549"/>
+                    <a:pt x="3054" y="4518"/>
+                    <a:pt x="3040" y="4491"/>
+                  </a:cubicBezTo>
+                  <a:lnTo>
+                    <a:pt x="2877" y="4171"/>
+                  </a:lnTo>
+                  <a:lnTo>
+                    <a:pt x="2877" y="3865"/>
+                  </a:lnTo>
+                  <a:cubicBezTo>
+                    <a:pt x="3071" y="3807"/>
+                    <a:pt x="3247" y="3705"/>
+                    <a:pt x="3397" y="3570"/>
+                  </a:cubicBezTo>
+                  <a:lnTo>
+                    <a:pt x="3666" y="3723"/>
+                  </a:lnTo>
+                  <a:lnTo>
+                    <a:pt x="3859" y="4015"/>
+                  </a:lnTo>
+                  <a:cubicBezTo>
+                    <a:pt x="3883" y="4049"/>
+                    <a:pt x="3910" y="4083"/>
+                    <a:pt x="3940" y="4107"/>
+                  </a:cubicBezTo>
+                  <a:cubicBezTo>
+                    <a:pt x="4022" y="4178"/>
+                    <a:pt x="4122" y="4214"/>
+                    <a:pt x="4223" y="4214"/>
+                  </a:cubicBezTo>
+                  <a:cubicBezTo>
+                    <a:pt x="4262" y="4214"/>
+                    <a:pt x="4300" y="4209"/>
+                    <a:pt x="4339" y="4199"/>
+                  </a:cubicBezTo>
+                  <a:cubicBezTo>
+                    <a:pt x="4450" y="4168"/>
+                    <a:pt x="4546" y="4097"/>
+                    <a:pt x="4604" y="3998"/>
+                  </a:cubicBezTo>
+                  <a:lnTo>
+                    <a:pt x="4791" y="3678"/>
+                  </a:lnTo>
+                  <a:cubicBezTo>
+                    <a:pt x="4927" y="3440"/>
+                    <a:pt x="4811" y="3125"/>
+                    <a:pt x="4529" y="3043"/>
+                  </a:cubicBezTo>
+                  <a:cubicBezTo>
+                    <a:pt x="4498" y="3036"/>
+                    <a:pt x="4467" y="3032"/>
+                    <a:pt x="4437" y="3029"/>
+                  </a:cubicBezTo>
+                  <a:lnTo>
+                    <a:pt x="4077" y="3009"/>
+                  </a:lnTo>
+                  <a:lnTo>
+                    <a:pt x="3812" y="2856"/>
+                  </a:lnTo>
+                  <a:cubicBezTo>
+                    <a:pt x="3835" y="2757"/>
+                    <a:pt x="3846" y="2659"/>
+                    <a:pt x="3846" y="2560"/>
+                  </a:cubicBezTo>
+                  <a:cubicBezTo>
+                    <a:pt x="3846" y="2458"/>
+                    <a:pt x="3835" y="2359"/>
+                    <a:pt x="3812" y="2261"/>
+                  </a:cubicBezTo>
+                  <a:lnTo>
+                    <a:pt x="4077" y="2108"/>
+                  </a:lnTo>
+                  <a:lnTo>
+                    <a:pt x="4437" y="2088"/>
+                  </a:lnTo>
+                  <a:cubicBezTo>
+                    <a:pt x="4471" y="2084"/>
+                    <a:pt x="4502" y="2081"/>
+                    <a:pt x="4535" y="2071"/>
+                  </a:cubicBezTo>
+                  <a:cubicBezTo>
+                    <a:pt x="4715" y="2017"/>
+                    <a:pt x="4835" y="1863"/>
+                    <a:pt x="4848" y="1676"/>
+                  </a:cubicBezTo>
+                  <a:cubicBezTo>
+                    <a:pt x="4852" y="1592"/>
+                    <a:pt x="4828" y="1507"/>
+                    <a:pt x="4787" y="1435"/>
+                  </a:cubicBezTo>
+                  <a:lnTo>
+                    <a:pt x="4604" y="1119"/>
+                  </a:lnTo>
+                  <a:cubicBezTo>
+                    <a:pt x="4546" y="1021"/>
+                    <a:pt x="4450" y="949"/>
+                    <a:pt x="4339" y="919"/>
+                  </a:cubicBezTo>
+                  <a:cubicBezTo>
+                    <a:pt x="4300" y="908"/>
+                    <a:pt x="4261" y="903"/>
+                    <a:pt x="4222" y="903"/>
+                  </a:cubicBezTo>
+                  <a:cubicBezTo>
+                    <a:pt x="4121" y="903"/>
+                    <a:pt x="4022" y="939"/>
+                    <a:pt x="3940" y="1010"/>
+                  </a:cubicBezTo>
+                  <a:cubicBezTo>
+                    <a:pt x="3910" y="1034"/>
+                    <a:pt x="3883" y="1068"/>
+                    <a:pt x="3859" y="1102"/>
+                  </a:cubicBezTo>
+                  <a:lnTo>
+                    <a:pt x="3666" y="1397"/>
+                  </a:lnTo>
+                  <a:lnTo>
+                    <a:pt x="3397" y="1548"/>
+                  </a:lnTo>
+                  <a:cubicBezTo>
+                    <a:pt x="3247" y="1411"/>
+                    <a:pt x="3071" y="1309"/>
+                    <a:pt x="2877" y="1251"/>
+                  </a:cubicBezTo>
+                  <a:lnTo>
+                    <a:pt x="2877" y="946"/>
+                  </a:lnTo>
+                  <a:lnTo>
+                    <a:pt x="3037" y="630"/>
+                  </a:lnTo>
+                  <a:cubicBezTo>
+                    <a:pt x="3054" y="596"/>
+                    <a:pt x="3071" y="558"/>
+                    <a:pt x="3077" y="520"/>
+                  </a:cubicBezTo>
+                  <a:cubicBezTo>
+                    <a:pt x="3132" y="242"/>
+                    <a:pt x="2917" y="1"/>
+                    <a:pt x="2649" y="1"/>
+                  </a:cubicBezTo>
+                  <a:close/>
+                </a:path>
+              </a:pathLst>
+            </a:custGeom>
+            <a:solidFill>
+              <a:schemeClr val="dk1"/>
+            </a:solidFill>
+            <a:ln>
+              <a:noFill/>
+            </a:ln>
+          </p:spPr>
+          <p:txBody>
+            <a:bodyPr spcFirstLastPara="1" wrap="square" lIns="91425" tIns="91425" rIns="91425" bIns="91425" anchor="ctr" anchorCtr="0">
+              <a:noAutofit/>
+            </a:bodyPr>
+            <a:lstStyle/>
+            <a:p>
+              <a:pPr marL="0" lvl="0" indent="0" algn="l" rtl="0">
+                <a:spcBef>
+                  <a:spcPts val="0"/>
+                </a:spcBef>
+                <a:spcAft>
+                  <a:spcPts val="0"/>
+                </a:spcAft>
+                <a:buNone/>
+              </a:pPr>
+              <a:endParaRPr/>
+            </a:p>
+          </p:txBody>
+        </p:sp>
+      </p:grpSp>
+    </p:spTree>
+    <p:extLst>
+      <p:ext uri="{BB962C8B-B14F-4D97-AF65-F5344CB8AC3E}">
+        <p14:creationId xmlns:p14="http://schemas.microsoft.com/office/powerpoint/2010/main" val="302290605"/>
+      </p:ext>
+    </p:extLst>
+  </p:cSld>
+  <p:clrMapOvr>
+    <a:masterClrMapping/>
+  </p:clrMapOvr>
+</p:sld>
+</file>
+
+<file path=ppt/slides/slide8.xml><?xml version="1.0" encoding="utf-8"?>
+<p:sld xmlns:a="http://schemas.openxmlformats.org/drawingml/2006/main" xmlns:r="http://schemas.openxmlformats.org/officeDocument/2006/relationships" xmlns:p="http://schemas.openxmlformats.org/presentationml/2006/main">
+  <p:cSld>
+    <p:spTree>
+      <p:nvGrpSpPr>
+        <p:cNvPr id="1" name=""/>
+        <p:cNvGrpSpPr/>
+        <p:nvPr/>
+      </p:nvGrpSpPr>
+      <p:grpSpPr>
+        <a:xfrm>
+          <a:off x="0" y="0"/>
+          <a:ext cx="0" cy="0"/>
+          <a:chOff x="0" y="0"/>
+          <a:chExt cx="0" cy="0"/>
+        </a:xfrm>
+      </p:grpSpPr>
+      <p:pic>
+        <p:nvPicPr>
+          <p:cNvPr id="4104" name="Picture 8">
+            <a:extLst>
+              <a:ext uri="{FF2B5EF4-FFF2-40B4-BE49-F238E27FC236}">
+                <a16:creationId xmlns:a16="http://schemas.microsoft.com/office/drawing/2014/main" id="{742643B9-B3B6-424B-8C60-22C29D36B2C3}"/>
+              </a:ext>
+            </a:extLst>
+          </p:cNvPr>
+          <p:cNvPicPr>
+            <a:picLocks noChangeAspect="1" noChangeArrowheads="1"/>
+          </p:cNvPicPr>
+          <p:nvPr/>
+        </p:nvPicPr>
+        <p:blipFill>
+          <a:blip r:embed="rId2">
+            <a:clrChange>
+              <a:clrFrom>
+                <a:srgbClr val="FFFFFF"/>
+              </a:clrFrom>
+              <a:clrTo>
+                <a:srgbClr val="FFFFFF">
+                  <a:alpha val="0"/>
+                </a:srgbClr>
+              </a:clrTo>
+            </a:clrChange>
+            <a:extLst>
+              <a:ext uri="{28A0092B-C50C-407E-A947-70E740481C1C}">
+                <a14:useLocalDpi xmlns:a14="http://schemas.microsoft.com/office/drawing/2010/main" val="0"/>
+              </a:ext>
+            </a:extLst>
+          </a:blip>
+          <a:srcRect/>
+          <a:stretch>
+            <a:fillRect/>
+          </a:stretch>
+        </p:blipFill>
+        <p:spPr bwMode="auto">
+          <a:xfrm>
+            <a:off x="1476875" y="715976"/>
+            <a:ext cx="7459326" cy="4197396"/>
           </a:xfrm>
           <a:prstGeom prst="rect">
             <a:avLst/>
@@ -29447,79 +31771,6 @@
       </p:pic>
       <p:sp>
         <p:nvSpPr>
-          <p:cNvPr id="3" name="TextBox 2">
-            <a:extLst>
-              <a:ext uri="{FF2B5EF4-FFF2-40B4-BE49-F238E27FC236}">
-                <a16:creationId xmlns:a16="http://schemas.microsoft.com/office/drawing/2014/main" id="{A99F8599-FAC8-4A9F-ADF1-9E7A67B4D70C}"/>
-              </a:ext>
-            </a:extLst>
-          </p:cNvPr>
-          <p:cNvSpPr txBox="1"/>
-          <p:nvPr/>
-        </p:nvSpPr>
-        <p:spPr>
-          <a:xfrm>
-            <a:off x="5863655" y="1168029"/>
-            <a:ext cx="836769" cy="307777"/>
-          </a:xfrm>
-          <a:prstGeom prst="rect">
-            <a:avLst/>
-          </a:prstGeom>
-          <a:noFill/>
-        </p:spPr>
-        <p:txBody>
-          <a:bodyPr wrap="none" rtlCol="0">
-            <a:spAutoFit/>
-          </a:bodyPr>
-          <a:lstStyle/>
-          <a:p>
-            <a:pPr marL="0" marR="45720" lvl="0" indent="0" algn="ctr" defTabSz="914400" rtl="0" eaLnBrk="1" fontAlgn="auto" latinLnBrk="0" hangingPunct="1">
-              <a:lnSpc>
-                <a:spcPct val="100000"/>
-              </a:lnSpc>
-              <a:spcBef>
-                <a:spcPts val="0"/>
-              </a:spcBef>
-              <a:spcAft>
-                <a:spcPts val="1600"/>
-              </a:spcAft>
-              <a:buClr>
-                <a:srgbClr val="20124D"/>
-              </a:buClr>
-              <a:buSzPts val="1400"/>
-              <a:buFont typeface="Abel"/>
-              <a:buNone/>
-              <a:tabLst/>
-              <a:defRPr/>
-            </a:pPr>
-            <a:r>
-              <a:rPr lang="en-US" dirty="0">
-                <a:solidFill>
-                  <a:srgbClr val="20124D"/>
-                </a:solidFill>
-                <a:latin typeface="Abel"/>
-                <a:sym typeface="Abel"/>
-              </a:rPr>
-              <a:t>Contains</a:t>
-            </a:r>
-            <a:endParaRPr kumimoji="0" lang="en-US" sz="1400" b="0" i="0" u="none" strike="noStrike" kern="0" cap="none" spc="0" normalizeH="0" baseline="0" noProof="0" dirty="0">
-              <a:ln>
-                <a:noFill/>
-              </a:ln>
-              <a:solidFill>
-                <a:srgbClr val="20124D"/>
-              </a:solidFill>
-              <a:effectLst/>
-              <a:uLnTx/>
-              <a:uFillTx/>
-              <a:latin typeface="Abel"/>
-              <a:sym typeface="Abel"/>
-            </a:endParaRPr>
-          </a:p>
-        </p:txBody>
-      </p:sp>
-      <p:sp>
-        <p:nvSpPr>
           <p:cNvPr id="4" name="TextBox 3">
             <a:extLst>
               <a:ext uri="{FF2B5EF4-FFF2-40B4-BE49-F238E27FC236}">
@@ -29532,7 +31783,7 @@
         </p:nvSpPr>
         <p:spPr>
           <a:xfrm>
-            <a:off x="1520881" y="1701055"/>
+            <a:off x="5863655" y="4230673"/>
             <a:ext cx="2091587" cy="523220"/>
           </a:xfrm>
           <a:prstGeom prst="rect">
@@ -29598,8 +31849,8 @@
         </p:nvSpPr>
         <p:spPr>
           <a:xfrm>
-            <a:off x="4767761" y="3779090"/>
-            <a:ext cx="642805" cy="307777"/>
+            <a:off x="5206538" y="3612229"/>
+            <a:ext cx="272510" cy="307777"/>
           </a:xfrm>
           <a:prstGeom prst="rect">
             <a:avLst/>
@@ -29631,16 +31882,6 @@
               <a:tabLst/>
               <a:defRPr/>
             </a:pPr>
-            <a:r>
-              <a:rPr lang="en-US" dirty="0" err="1">
-                <a:solidFill>
-                  <a:srgbClr val="20124D"/>
-                </a:solidFill>
-                <a:latin typeface="Abel"/>
-                <a:sym typeface="Abel"/>
-              </a:rPr>
-              <a:t>Retur</a:t>
-            </a:r>
             <a:r>
               <a:rPr lang="en-US" dirty="0">
                 <a:solidFill>
@@ -29681,7 +31922,7 @@
         </p:nvSpPr>
         <p:spPr>
           <a:xfrm>
-            <a:off x="489085" y="674402"/>
+            <a:off x="855407" y="109098"/>
             <a:ext cx="3012300" cy="544500"/>
           </a:xfrm>
           <a:prstGeom prst="roundRect">
@@ -29731,7 +31972,7 @@
         </p:nvSpPr>
         <p:spPr>
           <a:xfrm flipH="1">
-            <a:off x="546506" y="736780"/>
+            <a:off x="912828" y="171476"/>
             <a:ext cx="2757347" cy="379761"/>
           </a:xfrm>
           <a:prstGeom prst="rect">
@@ -29978,7 +32219,7 @@
                 <a:effectLst/>
                 <a:latin typeface="Staatliches" panose="02010600030101010101" charset="0"/>
               </a:rPr>
-              <a:t>Testing Facilities View</a:t>
+              <a:t>People view</a:t>
             </a:r>
             <a:endParaRPr lang="en-US" sz="2000" dirty="0">
               <a:latin typeface="Staatliches" panose="02010600030101010101" charset="0"/>
@@ -31106,7 +33347,7 @@
 </p:sld>
 </file>
 
-<file path=ppt/slides/slide8.xml><?xml version="1.0" encoding="utf-8"?>
+<file path=ppt/slides/slide9.xml><?xml version="1.0" encoding="utf-8"?>
 <p:sld xmlns:a="http://schemas.openxmlformats.org/drawingml/2006/main" xmlns:r="http://schemas.openxmlformats.org/officeDocument/2006/relationships" xmlns:p="http://schemas.openxmlformats.org/presentationml/2006/main">
   <p:cSld>
     <p:spTree>
@@ -31125,10 +33366,10 @@
       </p:grpSpPr>
       <p:pic>
         <p:nvPicPr>
-          <p:cNvPr id="3074" name="Picture 2">
+          <p:cNvPr id="3082" name="Picture 10">
             <a:extLst>
               <a:ext uri="{FF2B5EF4-FFF2-40B4-BE49-F238E27FC236}">
-                <a16:creationId xmlns:a16="http://schemas.microsoft.com/office/drawing/2014/main" id="{0B259589-2B61-4B5D-8A0D-153D56118F9E}"/>
+                <a16:creationId xmlns:a16="http://schemas.microsoft.com/office/drawing/2014/main" id="{0F726AB1-E71F-4412-8D3C-6423E59139A5}"/>
               </a:ext>
             </a:extLst>
           </p:cNvPr>
@@ -31162,8 +33403,8 @@
         </p:blipFill>
         <p:spPr bwMode="auto">
           <a:xfrm>
-            <a:off x="2273178" y="-59124"/>
-            <a:ext cx="7107237" cy="5143500"/>
+            <a:off x="3580972" y="0"/>
+            <a:ext cx="5424487" cy="5143500"/>
           </a:xfrm>
           <a:prstGeom prst="rect">
             <a:avLst/>
@@ -31182,72 +33423,6 @@
       </p:pic>
       <p:sp>
         <p:nvSpPr>
-          <p:cNvPr id="4" name="TextBox 3">
-            <a:extLst>
-              <a:ext uri="{FF2B5EF4-FFF2-40B4-BE49-F238E27FC236}">
-                <a16:creationId xmlns:a16="http://schemas.microsoft.com/office/drawing/2014/main" id="{268FEF88-3E68-4045-B036-3AE54021B6DD}"/>
-              </a:ext>
-            </a:extLst>
-          </p:cNvPr>
-          <p:cNvSpPr txBox="1"/>
-          <p:nvPr/>
-        </p:nvSpPr>
-        <p:spPr>
-          <a:xfrm>
-            <a:off x="7052413" y="3139337"/>
-            <a:ext cx="2091587" cy="523220"/>
-          </a:xfrm>
-          <a:prstGeom prst="rect">
-            <a:avLst/>
-          </a:prstGeom>
-          <a:noFill/>
-        </p:spPr>
-        <p:txBody>
-          <a:bodyPr wrap="square" rtlCol="0">
-            <a:spAutoFit/>
-          </a:bodyPr>
-          <a:lstStyle/>
-          <a:p>
-            <a:pPr marL="0" marR="45720" lvl="0" indent="0" algn="ctr" defTabSz="914400" rtl="0" eaLnBrk="1" fontAlgn="auto" latinLnBrk="0" hangingPunct="1">
-              <a:lnSpc>
-                <a:spcPct val="100000"/>
-              </a:lnSpc>
-              <a:spcBef>
-                <a:spcPts val="0"/>
-              </a:spcBef>
-              <a:spcAft>
-                <a:spcPts val="1600"/>
-              </a:spcAft>
-              <a:buClr>
-                <a:srgbClr val="20124D"/>
-              </a:buClr>
-              <a:buSzPts val="1400"/>
-              <a:buFont typeface="Abel"/>
-              <a:buNone/>
-              <a:tabLst/>
-              <a:defRPr/>
-            </a:pPr>
-            <a:r>
-              <a:rPr lang="en-US" dirty="0">
-                <a:solidFill>
-                  <a:srgbClr val="20124D"/>
-                </a:solidFill>
-                <a:latin typeface="Abel"/>
-              </a:rPr>
-              <a:t>One item could have multiple substitution items</a:t>
-            </a:r>
-            <a:endParaRPr lang="en-US" dirty="0">
-              <a:solidFill>
-                <a:srgbClr val="20124D"/>
-              </a:solidFill>
-              <a:latin typeface="Abel"/>
-              <a:sym typeface="Abel"/>
-            </a:endParaRPr>
-          </a:p>
-        </p:txBody>
-      </p:sp>
-      <p:sp>
-        <p:nvSpPr>
           <p:cNvPr id="19" name="Google Shape;317;p31">
             <a:extLst>
               <a:ext uri="{FF2B5EF4-FFF2-40B4-BE49-F238E27FC236}">
@@ -31260,7 +33435,7 @@
         </p:nvSpPr>
         <p:spPr>
           <a:xfrm>
-            <a:off x="79864" y="1234089"/>
+            <a:off x="875821" y="602220"/>
             <a:ext cx="3012300" cy="544500"/>
           </a:xfrm>
           <a:prstGeom prst="roundRect">
@@ -31310,7 +33485,7 @@
         </p:nvSpPr>
         <p:spPr>
           <a:xfrm flipH="1">
-            <a:off x="79864" y="1338576"/>
+            <a:off x="875821" y="706707"/>
             <a:ext cx="2757347" cy="379761"/>
           </a:xfrm>
           <a:prstGeom prst="rect">
@@ -32302,408 +34477,6 @@
     <p:extLst>
       <p:ext uri="{BB962C8B-B14F-4D97-AF65-F5344CB8AC3E}">
         <p14:creationId xmlns:p14="http://schemas.microsoft.com/office/powerpoint/2010/main" val="84743049"/>
-      </p:ext>
-    </p:extLst>
-  </p:cSld>
-  <p:clrMapOvr>
-    <a:masterClrMapping/>
-  </p:clrMapOvr>
-</p:sld>
-</file>
-
-<file path=ppt/slides/slide9.xml><?xml version="1.0" encoding="utf-8"?>
-<p:sld xmlns:a="http://schemas.openxmlformats.org/drawingml/2006/main" xmlns:r="http://schemas.openxmlformats.org/officeDocument/2006/relationships" xmlns:p="http://schemas.openxmlformats.org/presentationml/2006/main">
-  <p:cSld>
-    <p:spTree>
-      <p:nvGrpSpPr>
-        <p:cNvPr id="1" name=""/>
-        <p:cNvGrpSpPr/>
-        <p:nvPr/>
-      </p:nvGrpSpPr>
-      <p:grpSpPr>
-        <a:xfrm>
-          <a:off x="0" y="0"/>
-          <a:ext cx="0" cy="0"/>
-          <a:chOff x="0" y="0"/>
-          <a:chExt cx="0" cy="0"/>
-        </a:xfrm>
-      </p:grpSpPr>
-      <p:pic>
-        <p:nvPicPr>
-          <p:cNvPr id="4098" name="Picture 2">
-            <a:extLst>
-              <a:ext uri="{FF2B5EF4-FFF2-40B4-BE49-F238E27FC236}">
-                <a16:creationId xmlns:a16="http://schemas.microsoft.com/office/drawing/2014/main" id="{E786C3F6-8ADA-4EBF-826B-AB3015B81CDF}"/>
-              </a:ext>
-            </a:extLst>
-          </p:cNvPr>
-          <p:cNvPicPr>
-            <a:picLocks noChangeAspect="1" noChangeArrowheads="1"/>
-          </p:cNvPicPr>
-          <p:nvPr/>
-        </p:nvPicPr>
-        <p:blipFill>
-          <a:blip r:embed="rId2">
-            <a:clrChange>
-              <a:clrFrom>
-                <a:srgbClr val="FFFFFF"/>
-              </a:clrFrom>
-              <a:clrTo>
-                <a:srgbClr val="FFFFFF">
-                  <a:alpha val="0"/>
-                </a:srgbClr>
-              </a:clrTo>
-            </a:clrChange>
-            <a:extLst>
-              <a:ext uri="{28A0092B-C50C-407E-A947-70E740481C1C}">
-                <a14:useLocalDpi xmlns:a14="http://schemas.microsoft.com/office/drawing/2010/main" val="0"/>
-              </a:ext>
-            </a:extLst>
-          </a:blip>
-          <a:srcRect/>
-          <a:stretch>
-            <a:fillRect/>
-          </a:stretch>
-        </p:blipFill>
-        <p:spPr bwMode="auto">
-          <a:xfrm>
-            <a:off x="186655" y="303207"/>
-            <a:ext cx="9144000" cy="4824413"/>
-          </a:xfrm>
-          <a:prstGeom prst="rect">
-            <a:avLst/>
-          </a:prstGeom>
-          <a:noFill/>
-          <a:extLst>
-            <a:ext uri="{909E8E84-426E-40DD-AFC4-6F175D3DCCD1}">
-              <a14:hiddenFill xmlns:a14="http://schemas.microsoft.com/office/drawing/2010/main">
-                <a:solidFill>
-                  <a:srgbClr val="FFFFFF"/>
-                </a:solidFill>
-              </a14:hiddenFill>
-            </a:ext>
-          </a:extLst>
-        </p:spPr>
-      </p:pic>
-      <p:sp>
-        <p:nvSpPr>
-          <p:cNvPr id="19" name="Google Shape;317;p31">
-            <a:extLst>
-              <a:ext uri="{FF2B5EF4-FFF2-40B4-BE49-F238E27FC236}">
-                <a16:creationId xmlns:a16="http://schemas.microsoft.com/office/drawing/2014/main" id="{3BFC9FA8-3D7D-481E-AD38-086C94847164}"/>
-              </a:ext>
-            </a:extLst>
-          </p:cNvPr>
-          <p:cNvSpPr/>
-          <p:nvPr/>
-        </p:nvSpPr>
-        <p:spPr>
-          <a:xfrm>
-            <a:off x="79864" y="329970"/>
-            <a:ext cx="3012300" cy="544500"/>
-          </a:xfrm>
-          <a:prstGeom prst="roundRect">
-            <a:avLst>
-              <a:gd name="adj" fmla="val 50000"/>
-            </a:avLst>
-          </a:prstGeom>
-          <a:solidFill>
-            <a:schemeClr val="accent3"/>
-          </a:solidFill>
-          <a:ln>
-            <a:noFill/>
-          </a:ln>
-        </p:spPr>
-        <p:txBody>
-          <a:bodyPr spcFirstLastPara="1" wrap="square" lIns="91425" tIns="91425" rIns="91425" bIns="91425" anchor="ctr" anchorCtr="0">
-            <a:noAutofit/>
-          </a:bodyPr>
-          <a:lstStyle/>
-          <a:p>
-            <a:pPr marL="0" lvl="0" indent="0" algn="l" rtl="0">
-              <a:spcBef>
-                <a:spcPts val="0"/>
-              </a:spcBef>
-              <a:spcAft>
-                <a:spcPts val="0"/>
-              </a:spcAft>
-              <a:buNone/>
-            </a:pPr>
-            <a:endParaRPr lang="en-US" dirty="0"/>
-          </a:p>
-        </p:txBody>
-      </p:sp>
-      <p:sp>
-        <p:nvSpPr>
-          <p:cNvPr id="20" name="Google Shape;322;p31">
-            <a:extLst>
-              <a:ext uri="{FF2B5EF4-FFF2-40B4-BE49-F238E27FC236}">
-                <a16:creationId xmlns:a16="http://schemas.microsoft.com/office/drawing/2014/main" id="{5E29DB06-3751-461E-8594-E1E62243729E}"/>
-              </a:ext>
-            </a:extLst>
-          </p:cNvPr>
-          <p:cNvSpPr txBox="1">
-            <a:spLocks/>
-          </p:cNvSpPr>
-          <p:nvPr/>
-        </p:nvSpPr>
-        <p:spPr>
-          <a:xfrm flipH="1">
-            <a:off x="79864" y="434457"/>
-            <a:ext cx="2757347" cy="379761"/>
-          </a:xfrm>
-          <a:prstGeom prst="rect">
-            <a:avLst/>
-          </a:prstGeom>
-        </p:spPr>
-        <p:txBody>
-          <a:bodyPr spcFirstLastPara="1" wrap="square" lIns="91425" tIns="91425" rIns="91425" bIns="91425" anchor="ctr" anchorCtr="0">
-            <a:noAutofit/>
-          </a:bodyPr>
-          <a:lstStyle>
-            <a:defPPr marR="0" lvl="0" algn="l" rtl="0">
-              <a:lnSpc>
-                <a:spcPct val="100000"/>
-              </a:lnSpc>
-              <a:spcBef>
-                <a:spcPts val="0"/>
-              </a:spcBef>
-              <a:spcAft>
-                <a:spcPts val="0"/>
-              </a:spcAft>
-            </a:defPPr>
-            <a:lvl1pPr marR="0" lvl="0" algn="l" rtl="0">
-              <a:lnSpc>
-                <a:spcPct val="100000"/>
-              </a:lnSpc>
-              <a:spcBef>
-                <a:spcPts val="0"/>
-              </a:spcBef>
-              <a:spcAft>
-                <a:spcPts val="0"/>
-              </a:spcAft>
-              <a:buClr>
-                <a:srgbClr val="000000"/>
-              </a:buClr>
-              <a:buFont typeface="Arial"/>
-              <a:defRPr sz="1400" b="0" i="0" u="none" strike="noStrike" cap="none">
-                <a:solidFill>
-                  <a:srgbClr val="000000"/>
-                </a:solidFill>
-                <a:latin typeface="Arial"/>
-                <a:ea typeface="Arial"/>
-                <a:cs typeface="Arial"/>
-                <a:sym typeface="Arial"/>
-              </a:defRPr>
-            </a:lvl1pPr>
-            <a:lvl2pPr marR="0" lvl="1" algn="l" rtl="0">
-              <a:lnSpc>
-                <a:spcPct val="100000"/>
-              </a:lnSpc>
-              <a:spcBef>
-                <a:spcPts val="0"/>
-              </a:spcBef>
-              <a:spcAft>
-                <a:spcPts val="0"/>
-              </a:spcAft>
-              <a:buClr>
-                <a:srgbClr val="000000"/>
-              </a:buClr>
-              <a:buFont typeface="Arial"/>
-              <a:defRPr sz="1400" b="0" i="0" u="none" strike="noStrike" cap="none">
-                <a:solidFill>
-                  <a:srgbClr val="000000"/>
-                </a:solidFill>
-                <a:latin typeface="Arial"/>
-                <a:ea typeface="Arial"/>
-                <a:cs typeface="Arial"/>
-                <a:sym typeface="Arial"/>
-              </a:defRPr>
-            </a:lvl2pPr>
-            <a:lvl3pPr marR="0" lvl="2" algn="l" rtl="0">
-              <a:lnSpc>
-                <a:spcPct val="100000"/>
-              </a:lnSpc>
-              <a:spcBef>
-                <a:spcPts val="0"/>
-              </a:spcBef>
-              <a:spcAft>
-                <a:spcPts val="0"/>
-              </a:spcAft>
-              <a:buClr>
-                <a:srgbClr val="000000"/>
-              </a:buClr>
-              <a:buFont typeface="Arial"/>
-              <a:defRPr sz="1400" b="0" i="0" u="none" strike="noStrike" cap="none">
-                <a:solidFill>
-                  <a:srgbClr val="000000"/>
-                </a:solidFill>
-                <a:latin typeface="Arial"/>
-                <a:ea typeface="Arial"/>
-                <a:cs typeface="Arial"/>
-                <a:sym typeface="Arial"/>
-              </a:defRPr>
-            </a:lvl3pPr>
-            <a:lvl4pPr marR="0" lvl="3" algn="l" rtl="0">
-              <a:lnSpc>
-                <a:spcPct val="100000"/>
-              </a:lnSpc>
-              <a:spcBef>
-                <a:spcPts val="0"/>
-              </a:spcBef>
-              <a:spcAft>
-                <a:spcPts val="0"/>
-              </a:spcAft>
-              <a:buClr>
-                <a:srgbClr val="000000"/>
-              </a:buClr>
-              <a:buFont typeface="Arial"/>
-              <a:defRPr sz="1400" b="0" i="0" u="none" strike="noStrike" cap="none">
-                <a:solidFill>
-                  <a:srgbClr val="000000"/>
-                </a:solidFill>
-                <a:latin typeface="Arial"/>
-                <a:ea typeface="Arial"/>
-                <a:cs typeface="Arial"/>
-                <a:sym typeface="Arial"/>
-              </a:defRPr>
-            </a:lvl4pPr>
-            <a:lvl5pPr marR="0" lvl="4" algn="l" rtl="0">
-              <a:lnSpc>
-                <a:spcPct val="100000"/>
-              </a:lnSpc>
-              <a:spcBef>
-                <a:spcPts val="0"/>
-              </a:spcBef>
-              <a:spcAft>
-                <a:spcPts val="0"/>
-              </a:spcAft>
-              <a:buClr>
-                <a:srgbClr val="000000"/>
-              </a:buClr>
-              <a:buFont typeface="Arial"/>
-              <a:defRPr sz="1400" b="0" i="0" u="none" strike="noStrike" cap="none">
-                <a:solidFill>
-                  <a:srgbClr val="000000"/>
-                </a:solidFill>
-                <a:latin typeface="Arial"/>
-                <a:ea typeface="Arial"/>
-                <a:cs typeface="Arial"/>
-                <a:sym typeface="Arial"/>
-              </a:defRPr>
-            </a:lvl5pPr>
-            <a:lvl6pPr marR="0" lvl="5" algn="l" rtl="0">
-              <a:lnSpc>
-                <a:spcPct val="100000"/>
-              </a:lnSpc>
-              <a:spcBef>
-                <a:spcPts val="0"/>
-              </a:spcBef>
-              <a:spcAft>
-                <a:spcPts val="0"/>
-              </a:spcAft>
-              <a:buClr>
-                <a:srgbClr val="000000"/>
-              </a:buClr>
-              <a:buFont typeface="Arial"/>
-              <a:defRPr sz="1400" b="0" i="0" u="none" strike="noStrike" cap="none">
-                <a:solidFill>
-                  <a:srgbClr val="000000"/>
-                </a:solidFill>
-                <a:latin typeface="Arial"/>
-                <a:ea typeface="Arial"/>
-                <a:cs typeface="Arial"/>
-                <a:sym typeface="Arial"/>
-              </a:defRPr>
-            </a:lvl6pPr>
-            <a:lvl7pPr marR="0" lvl="6" algn="l" rtl="0">
-              <a:lnSpc>
-                <a:spcPct val="100000"/>
-              </a:lnSpc>
-              <a:spcBef>
-                <a:spcPts val="0"/>
-              </a:spcBef>
-              <a:spcAft>
-                <a:spcPts val="0"/>
-              </a:spcAft>
-              <a:buClr>
-                <a:srgbClr val="000000"/>
-              </a:buClr>
-              <a:buFont typeface="Arial"/>
-              <a:defRPr sz="1400" b="0" i="0" u="none" strike="noStrike" cap="none">
-                <a:solidFill>
-                  <a:srgbClr val="000000"/>
-                </a:solidFill>
-                <a:latin typeface="Arial"/>
-                <a:ea typeface="Arial"/>
-                <a:cs typeface="Arial"/>
-                <a:sym typeface="Arial"/>
-              </a:defRPr>
-            </a:lvl7pPr>
-            <a:lvl8pPr marR="0" lvl="7" algn="l" rtl="0">
-              <a:lnSpc>
-                <a:spcPct val="100000"/>
-              </a:lnSpc>
-              <a:spcBef>
-                <a:spcPts val="0"/>
-              </a:spcBef>
-              <a:spcAft>
-                <a:spcPts val="0"/>
-              </a:spcAft>
-              <a:buClr>
-                <a:srgbClr val="000000"/>
-              </a:buClr>
-              <a:buFont typeface="Arial"/>
-              <a:defRPr sz="1400" b="0" i="0" u="none" strike="noStrike" cap="none">
-                <a:solidFill>
-                  <a:srgbClr val="000000"/>
-                </a:solidFill>
-                <a:latin typeface="Arial"/>
-                <a:ea typeface="Arial"/>
-                <a:cs typeface="Arial"/>
-                <a:sym typeface="Arial"/>
-              </a:defRPr>
-            </a:lvl8pPr>
-            <a:lvl9pPr marR="0" lvl="8" algn="l" rtl="0">
-              <a:lnSpc>
-                <a:spcPct val="100000"/>
-              </a:lnSpc>
-              <a:spcBef>
-                <a:spcPts val="0"/>
-              </a:spcBef>
-              <a:spcAft>
-                <a:spcPts val="0"/>
-              </a:spcAft>
-              <a:buClr>
-                <a:srgbClr val="000000"/>
-              </a:buClr>
-              <a:buFont typeface="Arial"/>
-              <a:defRPr sz="1400" b="0" i="0" u="none" strike="noStrike" cap="none">
-                <a:solidFill>
-                  <a:srgbClr val="000000"/>
-                </a:solidFill>
-                <a:latin typeface="Arial"/>
-                <a:ea typeface="Arial"/>
-                <a:cs typeface="Arial"/>
-                <a:sym typeface="Arial"/>
-              </a:defRPr>
-            </a:lvl9pPr>
-          </a:lstStyle>
-          <a:p>
-            <a:pPr algn="ctr"/>
-            <a:r>
-              <a:rPr lang="en-US" sz="2000" dirty="0">
-                <a:latin typeface="Staatliches" panose="02010600030101010101" charset="0"/>
-              </a:rPr>
-              <a:t>Conceptual Model</a:t>
-            </a:r>
-          </a:p>
-        </p:txBody>
-      </p:sp>
-    </p:spTree>
-    <p:extLst>
-      <p:ext uri="{BB962C8B-B14F-4D97-AF65-F5344CB8AC3E}">
-        <p14:creationId xmlns:p14="http://schemas.microsoft.com/office/powerpoint/2010/main" val="1082045210"/>
       </p:ext>
     </p:extLst>
   </p:cSld>
